--- a/Turtlebot/Ubuntu & ROS.pptx
+++ b/Turtlebot/Ubuntu & ROS.pptx
@@ -7,8 +7,10 @@
   <p:sldIdLst>
     <p:sldId id="256" r:id="rId2"/>
     <p:sldId id="313" r:id="rId3"/>
-    <p:sldId id="314" r:id="rId4"/>
-    <p:sldId id="315" r:id="rId5"/>
+    <p:sldId id="316" r:id="rId4"/>
+    <p:sldId id="314" r:id="rId5"/>
+    <p:sldId id="315" r:id="rId6"/>
+    <p:sldId id="317" r:id="rId7"/>
   </p:sldIdLst>
   <p:sldSz cx="12192000" cy="6858000"/>
   <p:notesSz cx="6858000" cy="9144000"/>
@@ -3514,7 +3516,7 @@
         </p:nvGrpSpPr>
         <p:grpSpPr>
           <a:xfrm>
-            <a:off x="271097" y="330862"/>
+            <a:off x="219339" y="532336"/>
             <a:ext cx="2308201" cy="631437"/>
             <a:chOff x="607527" y="693172"/>
             <a:chExt cx="2308201" cy="631437"/>
@@ -3627,7 +3629,7 @@
                 <a:defRPr/>
               </a:pPr>
               <a:r>
-                <a:rPr lang="ko-KR" altLang="en-US" sz="2000" b="1">
+                <a:rPr lang="ko-KR" altLang="en-US" sz="2000" b="1" dirty="0">
                   <a:ln w="9525">
                     <a:solidFill>
                       <a:schemeClr val="accent1">
@@ -3654,31 +3656,6 @@
                 </a:rPr>
                 <a:t>명령어 정리</a:t>
               </a:r>
-              <a:endParaRPr lang="ko-KR" altLang="en-US" sz="2000" b="1" dirty="0">
-                <a:ln w="9525">
-                  <a:solidFill>
-                    <a:schemeClr val="accent1">
-                      <a:alpha val="30000"/>
-                    </a:schemeClr>
-                  </a:solidFill>
-                </a:ln>
-                <a:gradFill flip="none" rotWithShape="1">
-                  <a:gsLst>
-                    <a:gs pos="0">
-                      <a:schemeClr val="accent4"/>
-                    </a:gs>
-                    <a:gs pos="63000">
-                      <a:schemeClr val="accent1"/>
-                    </a:gs>
-                  </a:gsLst>
-                  <a:path path="circle">
-                    <a:fillToRect r="100000" b="100000"/>
-                  </a:path>
-                  <a:tileRect l="-100000" t="-100000"/>
-                </a:gradFill>
-                <a:latin typeface="바탕"/>
-                <a:ea typeface="바탕"/>
-              </a:endParaRPr>
             </a:p>
           </p:txBody>
         </p:sp>
@@ -3691,7 +3668,7 @@
         </p:nvSpPr>
         <p:spPr>
           <a:xfrm>
-            <a:off x="1112443" y="1115782"/>
+            <a:off x="994498" y="1538477"/>
             <a:ext cx="4736266" cy="646331"/>
           </a:xfrm>
           <a:prstGeom prst="rect">
@@ -3754,7 +3731,7 @@
         </p:nvSpPr>
         <p:spPr>
           <a:xfrm>
-            <a:off x="1112443" y="2105823"/>
+            <a:off x="994498" y="2498169"/>
             <a:ext cx="10921406" cy="2585323"/>
           </a:xfrm>
           <a:prstGeom prst="rect">
@@ -4047,8 +4024,8 @@
         </p:nvSpPr>
         <p:spPr>
           <a:xfrm>
-            <a:off x="1112443" y="4850190"/>
-            <a:ext cx="10921406" cy="369332"/>
+            <a:off x="994498" y="5458196"/>
+            <a:ext cx="10921406" cy="646331"/>
           </a:xfrm>
           <a:prstGeom prst="rect">
             <a:avLst/>
@@ -4066,16 +4043,33 @@
               <a:buChar char="•"/>
             </a:pPr>
             <a:r>
-              <a:rPr lang="ko-KR" altLang="en-US">
-                <a:latin typeface="바탕" panose="02030600000101010101" pitchFamily="18" charset="-127"/>
-                <a:ea typeface="바탕" panose="02030600000101010101" pitchFamily="18" charset="-127"/>
-              </a:rPr>
-              <a:t>추가추가추가</a:t>
+              <a:rPr lang="en-US" altLang="ko-KR" dirty="0">
+                <a:latin typeface="바탕" panose="02030600000101010101" pitchFamily="18" charset="-127"/>
+                <a:ea typeface="바탕" panose="02030600000101010101" pitchFamily="18" charset="-127"/>
+              </a:rPr>
+              <a:t>ROS </a:t>
+            </a:r>
+            <a:r>
+              <a:rPr lang="ko-KR" altLang="en-US" dirty="0">
+                <a:latin typeface="바탕" panose="02030600000101010101" pitchFamily="18" charset="-127"/>
+                <a:ea typeface="바탕" panose="02030600000101010101" pitchFamily="18" charset="-127"/>
+              </a:rPr>
+              <a:t>환경설정 확인</a:t>
             </a:r>
             <a:endParaRPr lang="en-US" altLang="ko-KR" dirty="0">
               <a:latin typeface="바탕" panose="02030600000101010101" pitchFamily="18" charset="-127"/>
               <a:ea typeface="바탕" panose="02030600000101010101" pitchFamily="18" charset="-127"/>
             </a:endParaRPr>
+          </a:p>
+          <a:p>
+            <a:pPr lvl="1"/>
+            <a:r>
+              <a:rPr lang="en-US" altLang="ko-KR" dirty="0">
+                <a:latin typeface="바탕" panose="02030600000101010101" pitchFamily="18" charset="-127"/>
+                <a:ea typeface="바탕" panose="02030600000101010101" pitchFamily="18" charset="-127"/>
+              </a:rPr>
+              <a:t>$ export | grep ROS</a:t>
+            </a:r>
           </a:p>
         </p:txBody>
       </p:sp>
@@ -4101,6 +4095,407 @@
 </file>
 
 <file path=ppt/slides/slide3.xml><?xml version="1.0" encoding="utf-8"?>
+<p:sld xmlns:a="http://schemas.openxmlformats.org/drawingml/2006/main" xmlns:r="http://schemas.openxmlformats.org/officeDocument/2006/relationships" xmlns:p="http://schemas.openxmlformats.org/presentationml/2006/main">
+  <p:cSld>
+    <p:spTree>
+      <p:nvGrpSpPr>
+        <p:cNvPr id="1" name=""/>
+        <p:cNvGrpSpPr/>
+        <p:nvPr/>
+      </p:nvGrpSpPr>
+      <p:grpSpPr>
+        <a:xfrm>
+          <a:off x="0" y="0"/>
+          <a:ext cx="0" cy="0"/>
+          <a:chOff x="0" y="0"/>
+          <a:chExt cx="0" cy="0"/>
+        </a:xfrm>
+      </p:grpSpPr>
+      <p:sp>
+        <p:nvSpPr>
+          <p:cNvPr id="2" name="TextBox 1">
+            <a:extLst>
+              <a:ext uri="{FF2B5EF4-FFF2-40B4-BE49-F238E27FC236}">
+                <a16:creationId xmlns:a16="http://schemas.microsoft.com/office/drawing/2014/main" id="{0079C770-B2D5-4793-A01C-9AEA5A6647F8}"/>
+              </a:ext>
+            </a:extLst>
+          </p:cNvPr>
+          <p:cNvSpPr txBox="1"/>
+          <p:nvPr/>
+        </p:nvSpPr>
+        <p:spPr>
+          <a:xfrm>
+            <a:off x="896783" y="637979"/>
+            <a:ext cx="10921406" cy="2031325"/>
+          </a:xfrm>
+          <a:prstGeom prst="rect">
+            <a:avLst/>
+          </a:prstGeom>
+          <a:noFill/>
+        </p:spPr>
+        <p:txBody>
+          <a:bodyPr wrap="square" rtlCol="0">
+            <a:spAutoFit/>
+          </a:bodyPr>
+          <a:lstStyle/>
+          <a:p>
+            <a:pPr marL="285750" indent="-285750">
+              <a:buFont typeface="Arial" panose="020B0604020202020204" pitchFamily="34" charset="0"/>
+              <a:buChar char="•"/>
+            </a:pPr>
+            <a:r>
+              <a:rPr lang="en-US" altLang="ko-KR" dirty="0">
+                <a:latin typeface="바탕" panose="02030600000101010101" pitchFamily="18" charset="-127"/>
+                <a:ea typeface="바탕" panose="02030600000101010101" pitchFamily="18" charset="-127"/>
+              </a:rPr>
+              <a:t>ROS </a:t>
+            </a:r>
+            <a:r>
+              <a:rPr lang="ko-KR" altLang="en-US" dirty="0">
+                <a:latin typeface="바탕" panose="02030600000101010101" pitchFamily="18" charset="-127"/>
+                <a:ea typeface="바탕" panose="02030600000101010101" pitchFamily="18" charset="-127"/>
+              </a:rPr>
+              <a:t>개발 작업에 자주 사용되는 명령어를 단축 명령어로 설정 </a:t>
+            </a:r>
+            <a:r>
+              <a:rPr lang="en-US" altLang="ko-KR" dirty="0">
+                <a:latin typeface="바탕" panose="02030600000101010101" pitchFamily="18" charset="-127"/>
+                <a:ea typeface="바탕" panose="02030600000101010101" pitchFamily="18" charset="-127"/>
+              </a:rPr>
+              <a:t>(alias </a:t>
+            </a:r>
+            <a:r>
+              <a:rPr lang="ko-KR" altLang="en-US" dirty="0">
+                <a:latin typeface="바탕" panose="02030600000101010101" pitchFamily="18" charset="-127"/>
+                <a:ea typeface="바탕" panose="02030600000101010101" pitchFamily="18" charset="-127"/>
+              </a:rPr>
+              <a:t>단축 명령어로 작성함</a:t>
+            </a:r>
+            <a:r>
+              <a:rPr lang="en-US" altLang="ko-KR" dirty="0">
+                <a:latin typeface="바탕" panose="02030600000101010101" pitchFamily="18" charset="-127"/>
+                <a:ea typeface="바탕" panose="02030600000101010101" pitchFamily="18" charset="-127"/>
+              </a:rPr>
+              <a:t>)</a:t>
+            </a:r>
+          </a:p>
+          <a:p>
+            <a:pPr lvl="1"/>
+            <a:r>
+              <a:rPr lang="en-US" altLang="ko-KR" dirty="0" err="1">
+                <a:latin typeface="바탕" panose="02030600000101010101" pitchFamily="18" charset="-127"/>
+                <a:ea typeface="바탕" panose="02030600000101010101" pitchFamily="18" charset="-127"/>
+              </a:rPr>
+              <a:t>bashrc</a:t>
+            </a:r>
+            <a:r>
+              <a:rPr lang="en-US" altLang="ko-KR" dirty="0">
+                <a:latin typeface="바탕" panose="02030600000101010101" pitchFamily="18" charset="-127"/>
+                <a:ea typeface="바탕" panose="02030600000101010101" pitchFamily="18" charset="-127"/>
+              </a:rPr>
+              <a:t> </a:t>
+            </a:r>
+            <a:r>
+              <a:rPr lang="ko-KR" altLang="en-US" dirty="0">
+                <a:latin typeface="바탕" panose="02030600000101010101" pitchFamily="18" charset="-127"/>
+                <a:ea typeface="바탕" panose="02030600000101010101" pitchFamily="18" charset="-127"/>
+              </a:rPr>
+              <a:t>파일에서 </a:t>
+            </a:r>
+            <a:r>
+              <a:rPr lang="en-US" altLang="ko-KR" dirty="0">
+                <a:latin typeface="바탕" panose="02030600000101010101" pitchFamily="18" charset="-127"/>
+                <a:ea typeface="바탕" panose="02030600000101010101" pitchFamily="18" charset="-127"/>
+              </a:rPr>
+              <a:t>alias </a:t>
+            </a:r>
+            <a:r>
+              <a:rPr lang="ko-KR" altLang="en-US" dirty="0">
+                <a:latin typeface="바탕" panose="02030600000101010101" pitchFamily="18" charset="-127"/>
+                <a:ea typeface="바탕" panose="02030600000101010101" pitchFamily="18" charset="-127"/>
+              </a:rPr>
+              <a:t>단축 명령어 </a:t>
+            </a:r>
+            <a:r>
+              <a:rPr lang="en-US" altLang="ko-KR" dirty="0">
+                <a:latin typeface="바탕" panose="02030600000101010101" pitchFamily="18" charset="-127"/>
+                <a:ea typeface="바탕" panose="02030600000101010101" pitchFamily="18" charset="-127"/>
+              </a:rPr>
+              <a:t>= ‘</a:t>
+            </a:r>
+            <a:r>
+              <a:rPr lang="ko-KR" altLang="en-US" dirty="0">
+                <a:latin typeface="바탕" panose="02030600000101010101" pitchFamily="18" charset="-127"/>
+                <a:ea typeface="바탕" panose="02030600000101010101" pitchFamily="18" charset="-127"/>
+              </a:rPr>
+              <a:t>단축명령어로 사용 할 내용</a:t>
+            </a:r>
+            <a:r>
+              <a:rPr lang="en-US" altLang="ko-KR" dirty="0">
+                <a:latin typeface="바탕" panose="02030600000101010101" pitchFamily="18" charset="-127"/>
+                <a:ea typeface="바탕" panose="02030600000101010101" pitchFamily="18" charset="-127"/>
+              </a:rPr>
+              <a:t>‘ </a:t>
+            </a:r>
+            <a:r>
+              <a:rPr lang="ko-KR" altLang="en-US" dirty="0">
+                <a:latin typeface="바탕" panose="02030600000101010101" pitchFamily="18" charset="-127"/>
+                <a:ea typeface="바탕" panose="02030600000101010101" pitchFamily="18" charset="-127"/>
+              </a:rPr>
+              <a:t>입력</a:t>
+            </a:r>
+            <a:endParaRPr lang="en-US" altLang="ko-KR" dirty="0">
+              <a:latin typeface="바탕" panose="02030600000101010101" pitchFamily="18" charset="-127"/>
+              <a:ea typeface="바탕" panose="02030600000101010101" pitchFamily="18" charset="-127"/>
+            </a:endParaRPr>
+          </a:p>
+          <a:p>
+            <a:pPr lvl="1"/>
+            <a:endParaRPr lang="en-US" altLang="ko-KR" dirty="0">
+              <a:latin typeface="바탕" panose="02030600000101010101" pitchFamily="18" charset="-127"/>
+              <a:ea typeface="바탕" panose="02030600000101010101" pitchFamily="18" charset="-127"/>
+            </a:endParaRPr>
+          </a:p>
+          <a:p>
+            <a:pPr lvl="1"/>
+            <a:r>
+              <a:rPr lang="en-US" altLang="ko-KR" dirty="0">
+                <a:latin typeface="바탕" panose="02030600000101010101" pitchFamily="18" charset="-127"/>
+                <a:ea typeface="바탕" panose="02030600000101010101" pitchFamily="18" charset="-127"/>
+              </a:rPr>
+              <a:t>ex) cd ~/</a:t>
+            </a:r>
+            <a:r>
+              <a:rPr lang="en-US" altLang="ko-KR" dirty="0" err="1">
+                <a:latin typeface="바탕" panose="02030600000101010101" pitchFamily="18" charset="-127"/>
+                <a:ea typeface="바탕" panose="02030600000101010101" pitchFamily="18" charset="-127"/>
+              </a:rPr>
+              <a:t>catkin_ws</a:t>
+            </a:r>
+            <a:r>
+              <a:rPr lang="ko-KR" altLang="en-US" dirty="0">
+                <a:latin typeface="바탕" panose="02030600000101010101" pitchFamily="18" charset="-127"/>
+                <a:ea typeface="바탕" panose="02030600000101010101" pitchFamily="18" charset="-127"/>
+              </a:rPr>
+              <a:t>를 단축 명령어 </a:t>
+            </a:r>
+            <a:r>
+              <a:rPr lang="en-US" altLang="ko-KR" dirty="0" err="1">
+                <a:latin typeface="바탕" panose="02030600000101010101" pitchFamily="18" charset="-127"/>
+                <a:ea typeface="바탕" panose="02030600000101010101" pitchFamily="18" charset="-127"/>
+              </a:rPr>
+              <a:t>cw</a:t>
+            </a:r>
+            <a:r>
+              <a:rPr lang="ko-KR" altLang="en-US" dirty="0">
+                <a:latin typeface="바탕" panose="02030600000101010101" pitchFamily="18" charset="-127"/>
+                <a:ea typeface="바탕" panose="02030600000101010101" pitchFamily="18" charset="-127"/>
+              </a:rPr>
+              <a:t>로 설정 할 경우</a:t>
+            </a:r>
+            <a:endParaRPr lang="en-US" altLang="ko-KR" dirty="0">
+              <a:latin typeface="바탕" panose="02030600000101010101" pitchFamily="18" charset="-127"/>
+              <a:ea typeface="바탕" panose="02030600000101010101" pitchFamily="18" charset="-127"/>
+            </a:endParaRPr>
+          </a:p>
+          <a:p>
+            <a:pPr lvl="1"/>
+            <a:r>
+              <a:rPr lang="en-US" altLang="ko-KR" dirty="0">
+                <a:latin typeface="바탕" panose="02030600000101010101" pitchFamily="18" charset="-127"/>
+                <a:ea typeface="바탕" panose="02030600000101010101" pitchFamily="18" charset="-127"/>
+              </a:rPr>
+              <a:t>alias </a:t>
+            </a:r>
+            <a:r>
+              <a:rPr lang="en-US" altLang="ko-KR" dirty="0" err="1">
+                <a:latin typeface="바탕" panose="02030600000101010101" pitchFamily="18" charset="-127"/>
+                <a:ea typeface="바탕" panose="02030600000101010101" pitchFamily="18" charset="-127"/>
+              </a:rPr>
+              <a:t>cw</a:t>
+            </a:r>
+            <a:r>
+              <a:rPr lang="en-US" altLang="ko-KR" dirty="0">
+                <a:latin typeface="바탕" panose="02030600000101010101" pitchFamily="18" charset="-127"/>
+                <a:ea typeface="바탕" panose="02030600000101010101" pitchFamily="18" charset="-127"/>
+              </a:rPr>
+              <a:t> = ‘cd ~/</a:t>
+            </a:r>
+            <a:r>
+              <a:rPr lang="en-US" altLang="ko-KR" dirty="0" err="1">
+                <a:latin typeface="바탕" panose="02030600000101010101" pitchFamily="18" charset="-127"/>
+                <a:ea typeface="바탕" panose="02030600000101010101" pitchFamily="18" charset="-127"/>
+              </a:rPr>
+              <a:t>catkin_ws</a:t>
+            </a:r>
+            <a:r>
+              <a:rPr lang="en-US" altLang="ko-KR" dirty="0">
+                <a:latin typeface="바탕" panose="02030600000101010101" pitchFamily="18" charset="-127"/>
+                <a:ea typeface="바탕" panose="02030600000101010101" pitchFamily="18" charset="-127"/>
+              </a:rPr>
+              <a:t>’</a:t>
+            </a:r>
+          </a:p>
+          <a:p>
+            <a:pPr lvl="1"/>
+            <a:endParaRPr lang="en-US" altLang="ko-KR" dirty="0">
+              <a:latin typeface="바탕" panose="02030600000101010101" pitchFamily="18" charset="-127"/>
+              <a:ea typeface="바탕" panose="02030600000101010101" pitchFamily="18" charset="-127"/>
+            </a:endParaRPr>
+          </a:p>
+          <a:p>
+            <a:pPr lvl="1"/>
+            <a:r>
+              <a:rPr lang="ko-KR" altLang="en-US" dirty="0">
+                <a:latin typeface="바탕" panose="02030600000101010101" pitchFamily="18" charset="-127"/>
+                <a:ea typeface="바탕" panose="02030600000101010101" pitchFamily="18" charset="-127"/>
+              </a:rPr>
+              <a:t>수정 후</a:t>
+            </a:r>
+            <a:r>
+              <a:rPr lang="en-US" altLang="ko-KR" dirty="0">
+                <a:latin typeface="바탕" panose="02030600000101010101" pitchFamily="18" charset="-127"/>
+                <a:ea typeface="바탕" panose="02030600000101010101" pitchFamily="18" charset="-127"/>
+              </a:rPr>
+              <a:t> Terminal</a:t>
+            </a:r>
+            <a:r>
+              <a:rPr lang="ko-KR" altLang="en-US" dirty="0">
+                <a:latin typeface="바탕" panose="02030600000101010101" pitchFamily="18" charset="-127"/>
+                <a:ea typeface="바탕" panose="02030600000101010101" pitchFamily="18" charset="-127"/>
+              </a:rPr>
+              <a:t>에서 </a:t>
+            </a:r>
+            <a:r>
+              <a:rPr lang="en-US" altLang="ko-KR" dirty="0">
+                <a:latin typeface="바탕" panose="02030600000101010101" pitchFamily="18" charset="-127"/>
+                <a:ea typeface="바탕" panose="02030600000101010101" pitchFamily="18" charset="-127"/>
+              </a:rPr>
+              <a:t>$ </a:t>
+            </a:r>
+            <a:r>
+              <a:rPr lang="en-US" altLang="ko-KR" dirty="0" err="1">
+                <a:latin typeface="바탕" panose="02030600000101010101" pitchFamily="18" charset="-127"/>
+                <a:ea typeface="바탕" panose="02030600000101010101" pitchFamily="18" charset="-127"/>
+              </a:rPr>
+              <a:t>cw</a:t>
+            </a:r>
+            <a:r>
+              <a:rPr lang="en-US" altLang="ko-KR" dirty="0">
+                <a:latin typeface="바탕" panose="02030600000101010101" pitchFamily="18" charset="-127"/>
+                <a:ea typeface="바탕" panose="02030600000101010101" pitchFamily="18" charset="-127"/>
+              </a:rPr>
+              <a:t> </a:t>
+            </a:r>
+            <a:r>
+              <a:rPr lang="ko-KR" altLang="en-US" dirty="0">
+                <a:latin typeface="바탕" panose="02030600000101010101" pitchFamily="18" charset="-127"/>
+                <a:ea typeface="바탕" panose="02030600000101010101" pitchFamily="18" charset="-127"/>
+              </a:rPr>
+              <a:t>입력</a:t>
+            </a:r>
+            <a:endParaRPr lang="en-US" altLang="ko-KR" dirty="0">
+              <a:latin typeface="바탕" panose="02030600000101010101" pitchFamily="18" charset="-127"/>
+              <a:ea typeface="바탕" panose="02030600000101010101" pitchFamily="18" charset="-127"/>
+            </a:endParaRPr>
+          </a:p>
+        </p:txBody>
+      </p:sp>
+      <p:sp>
+        <p:nvSpPr>
+          <p:cNvPr id="3" name="TextBox 2">
+            <a:extLst>
+              <a:ext uri="{FF2B5EF4-FFF2-40B4-BE49-F238E27FC236}">
+                <a16:creationId xmlns:a16="http://schemas.microsoft.com/office/drawing/2014/main" id="{D48CB526-12BC-4C41-A753-71FC1C79D5BA}"/>
+              </a:ext>
+            </a:extLst>
+          </p:cNvPr>
+          <p:cNvSpPr txBox="1"/>
+          <p:nvPr/>
+        </p:nvSpPr>
+        <p:spPr>
+          <a:xfrm>
+            <a:off x="896783" y="2998330"/>
+            <a:ext cx="10921406" cy="646331"/>
+          </a:xfrm>
+          <a:prstGeom prst="rect">
+            <a:avLst/>
+          </a:prstGeom>
+          <a:noFill/>
+        </p:spPr>
+        <p:txBody>
+          <a:bodyPr wrap="square" rtlCol="0">
+            <a:spAutoFit/>
+          </a:bodyPr>
+          <a:lstStyle/>
+          <a:p>
+            <a:pPr marL="285750" indent="-285750">
+              <a:buFont typeface="Arial" panose="020B0604020202020204" pitchFamily="34" charset="0"/>
+              <a:buChar char="•"/>
+            </a:pPr>
+            <a:r>
+              <a:rPr lang="en-US" altLang="ko-KR" dirty="0">
+                <a:latin typeface="바탕" panose="02030600000101010101" pitchFamily="18" charset="-127"/>
+                <a:ea typeface="바탕" panose="02030600000101010101" pitchFamily="18" charset="-127"/>
+              </a:rPr>
+              <a:t>Terminal</a:t>
+            </a:r>
+            <a:r>
+              <a:rPr lang="ko-KR" altLang="en-US" dirty="0">
+                <a:latin typeface="바탕" panose="02030600000101010101" pitchFamily="18" charset="-127"/>
+                <a:ea typeface="바탕" panose="02030600000101010101" pitchFamily="18" charset="-127"/>
+              </a:rPr>
+              <a:t>에 입력된 명령어 모두 없애기</a:t>
+            </a:r>
+            <a:r>
+              <a:rPr lang="en-US" altLang="ko-KR" dirty="0">
+                <a:latin typeface="바탕" panose="02030600000101010101" pitchFamily="18" charset="-127"/>
+                <a:ea typeface="바탕" panose="02030600000101010101" pitchFamily="18" charset="-127"/>
+              </a:rPr>
+              <a:t>(</a:t>
+            </a:r>
+            <a:r>
+              <a:rPr lang="ko-KR" altLang="en-US" dirty="0">
+                <a:latin typeface="바탕" panose="02030600000101010101" pitchFamily="18" charset="-127"/>
+                <a:ea typeface="바탕" panose="02030600000101010101" pitchFamily="18" charset="-127"/>
+              </a:rPr>
+              <a:t>청소</a:t>
+            </a:r>
+            <a:r>
+              <a:rPr lang="en-US" altLang="ko-KR" dirty="0">
+                <a:latin typeface="바탕" panose="02030600000101010101" pitchFamily="18" charset="-127"/>
+                <a:ea typeface="바탕" panose="02030600000101010101" pitchFamily="18" charset="-127"/>
+              </a:rPr>
+              <a:t>..?)</a:t>
+            </a:r>
+          </a:p>
+          <a:p>
+            <a:pPr lvl="1"/>
+            <a:r>
+              <a:rPr lang="en-US" altLang="ko-KR" dirty="0">
+                <a:latin typeface="바탕" panose="02030600000101010101" pitchFamily="18" charset="-127"/>
+                <a:ea typeface="바탕" panose="02030600000101010101" pitchFamily="18" charset="-127"/>
+              </a:rPr>
+              <a:t>$ clear</a:t>
+            </a:r>
+          </a:p>
+        </p:txBody>
+      </p:sp>
+    </p:spTree>
+    <p:extLst>
+      <p:ext uri="{BB962C8B-B14F-4D97-AF65-F5344CB8AC3E}">
+        <p14:creationId xmlns:p14="http://schemas.microsoft.com/office/powerpoint/2010/main" val="2685961449"/>
+      </p:ext>
+    </p:extLst>
+  </p:cSld>
+  <p:clrMapOvr>
+    <a:masterClrMapping/>
+  </p:clrMapOvr>
+  <p:transition/>
+</p:sld>
+</file>
+
+<file path=ppt/slides/slide4.xml><?xml version="1.0" encoding="utf-8"?>
 <p:sld xmlns:a="http://schemas.openxmlformats.org/drawingml/2006/main" xmlns:r="http://schemas.openxmlformats.org/officeDocument/2006/relationships" xmlns:p="http://schemas.openxmlformats.org/presentationml/2006/main">
   <p:cSld>
     <p:spTree>
@@ -4551,7 +4946,7 @@
 </p:sld>
 </file>
 
-<file path=ppt/slides/slide4.xml><?xml version="1.0" encoding="utf-8"?>
+<file path=ppt/slides/slide5.xml><?xml version="1.0" encoding="utf-8"?>
 <p:sld xmlns:a="http://schemas.openxmlformats.org/drawingml/2006/main" xmlns:r="http://schemas.openxmlformats.org/officeDocument/2006/relationships" xmlns:p="http://schemas.openxmlformats.org/presentationml/2006/main">
   <p:cSld>
     <p:spTree>
@@ -4820,6 +5215,143 @@
     <p:extLst>
       <p:ext uri="{BB962C8B-B14F-4D97-AF65-F5344CB8AC3E}">
         <p14:creationId xmlns:p14="http://schemas.microsoft.com/office/powerpoint/2010/main" val="1393587153"/>
+      </p:ext>
+    </p:extLst>
+  </p:cSld>
+  <p:clrMapOvr>
+    <a:masterClrMapping/>
+  </p:clrMapOvr>
+  <p:transition/>
+</p:sld>
+</file>
+
+<file path=ppt/slides/slide6.xml><?xml version="1.0" encoding="utf-8"?>
+<p:sld xmlns:a="http://schemas.openxmlformats.org/drawingml/2006/main" xmlns:r="http://schemas.openxmlformats.org/officeDocument/2006/relationships" xmlns:p="http://schemas.openxmlformats.org/presentationml/2006/main">
+  <p:cSld>
+    <p:spTree>
+      <p:nvGrpSpPr>
+        <p:cNvPr id="1" name=""/>
+        <p:cNvGrpSpPr/>
+        <p:nvPr/>
+      </p:nvGrpSpPr>
+      <p:grpSpPr>
+        <a:xfrm>
+          <a:off x="0" y="0"/>
+          <a:ext cx="0" cy="0"/>
+          <a:chOff x="0" y="0"/>
+          <a:chExt cx="0" cy="0"/>
+        </a:xfrm>
+      </p:grpSpPr>
+      <p:pic>
+        <p:nvPicPr>
+          <p:cNvPr id="3" name="그림 2">
+            <a:extLst>
+              <a:ext uri="{FF2B5EF4-FFF2-40B4-BE49-F238E27FC236}">
+                <a16:creationId xmlns:a16="http://schemas.microsoft.com/office/drawing/2014/main" id="{DC7076DC-3415-4131-BB73-4A4D2DEFED19}"/>
+              </a:ext>
+            </a:extLst>
+          </p:cNvPr>
+          <p:cNvPicPr>
+            <a:picLocks noChangeAspect="1"/>
+          </p:cNvPicPr>
+          <p:nvPr/>
+        </p:nvPicPr>
+        <p:blipFill>
+          <a:blip r:embed="rId2">
+            <a:extLst>
+              <a:ext uri="{28A0092B-C50C-407E-A947-70E740481C1C}">
+                <a14:useLocalDpi xmlns:a14="http://schemas.microsoft.com/office/drawing/2010/main" val="0"/>
+              </a:ext>
+            </a:extLst>
+          </a:blip>
+          <a:stretch>
+            <a:fillRect/>
+          </a:stretch>
+        </p:blipFill>
+        <p:spPr>
+          <a:xfrm>
+            <a:off x="1261075" y="1083425"/>
+            <a:ext cx="3562350" cy="1171575"/>
+          </a:xfrm>
+          <a:prstGeom prst="rect">
+            <a:avLst/>
+          </a:prstGeom>
+        </p:spPr>
+      </p:pic>
+      <p:sp>
+        <p:nvSpPr>
+          <p:cNvPr id="5" name="TextBox 4">
+            <a:extLst>
+              <a:ext uri="{FF2B5EF4-FFF2-40B4-BE49-F238E27FC236}">
+                <a16:creationId xmlns:a16="http://schemas.microsoft.com/office/drawing/2014/main" id="{3FED6622-60C1-4124-9905-E83A7455A4EA}"/>
+              </a:ext>
+            </a:extLst>
+          </p:cNvPr>
+          <p:cNvSpPr txBox="1"/>
+          <p:nvPr/>
+        </p:nvSpPr>
+        <p:spPr>
+          <a:xfrm>
+            <a:off x="896783" y="637979"/>
+            <a:ext cx="10921406" cy="369332"/>
+          </a:xfrm>
+          <a:prstGeom prst="rect">
+            <a:avLst/>
+          </a:prstGeom>
+          <a:noFill/>
+        </p:spPr>
+        <p:txBody>
+          <a:bodyPr wrap="square" rtlCol="0">
+            <a:spAutoFit/>
+          </a:bodyPr>
+          <a:lstStyle/>
+          <a:p>
+            <a:pPr marL="285750" indent="-285750">
+              <a:buFont typeface="Arial" panose="020B0604020202020204" pitchFamily="34" charset="0"/>
+              <a:buChar char="•"/>
+            </a:pPr>
+            <a:r>
+              <a:rPr lang="en-US" altLang="ko-KR" dirty="0">
+                <a:latin typeface="바탕" panose="02030600000101010101" pitchFamily="18" charset="-127"/>
+                <a:ea typeface="바탕" panose="02030600000101010101" pitchFamily="18" charset="-127"/>
+              </a:rPr>
+              <a:t>ROS </a:t>
+            </a:r>
+            <a:r>
+              <a:rPr lang="ko-KR" altLang="en-US" dirty="0">
+                <a:latin typeface="바탕" panose="02030600000101010101" pitchFamily="18" charset="-127"/>
+                <a:ea typeface="바탕" panose="02030600000101010101" pitchFamily="18" charset="-127"/>
+              </a:rPr>
+              <a:t>개발 작업에 자주 사용되는 명령어를 단축 명령어로 설정 </a:t>
+            </a:r>
+            <a:r>
+              <a:rPr lang="en-US" altLang="ko-KR" dirty="0">
+                <a:latin typeface="바탕" panose="02030600000101010101" pitchFamily="18" charset="-127"/>
+                <a:ea typeface="바탕" panose="02030600000101010101" pitchFamily="18" charset="-127"/>
+              </a:rPr>
+              <a:t>(alias </a:t>
+            </a:r>
+            <a:r>
+              <a:rPr lang="ko-KR" altLang="en-US" dirty="0">
+                <a:latin typeface="바탕" panose="02030600000101010101" pitchFamily="18" charset="-127"/>
+                <a:ea typeface="바탕" panose="02030600000101010101" pitchFamily="18" charset="-127"/>
+              </a:rPr>
+              <a:t>단축 명령어로 작성함</a:t>
+            </a:r>
+            <a:r>
+              <a:rPr lang="en-US" altLang="ko-KR" dirty="0">
+                <a:latin typeface="바탕" panose="02030600000101010101" pitchFamily="18" charset="-127"/>
+                <a:ea typeface="바탕" panose="02030600000101010101" pitchFamily="18" charset="-127"/>
+              </a:rPr>
+              <a:t>)</a:t>
+            </a:r>
+          </a:p>
+        </p:txBody>
+      </p:sp>
+    </p:spTree>
+    <p:extLst>
+      <p:ext uri="{BB962C8B-B14F-4D97-AF65-F5344CB8AC3E}">
+        <p14:creationId xmlns:p14="http://schemas.microsoft.com/office/powerpoint/2010/main" val="383331583"/>
       </p:ext>
     </p:extLst>
   </p:cSld>

--- a/Turtlebot/Ubuntu & ROS.pptx
+++ b/Turtlebot/Ubuntu & ROS.pptx
@@ -8,9 +8,13 @@
     <p:sldId id="256" r:id="rId2"/>
     <p:sldId id="313" r:id="rId3"/>
     <p:sldId id="316" r:id="rId4"/>
-    <p:sldId id="314" r:id="rId5"/>
-    <p:sldId id="315" r:id="rId6"/>
-    <p:sldId id="317" r:id="rId7"/>
+    <p:sldId id="319" r:id="rId5"/>
+    <p:sldId id="320" r:id="rId6"/>
+    <p:sldId id="314" r:id="rId7"/>
+    <p:sldId id="315" r:id="rId8"/>
+    <p:sldId id="317" r:id="rId9"/>
+    <p:sldId id="321" r:id="rId10"/>
+    <p:sldId id="318" r:id="rId11"/>
   </p:sldIdLst>
   <p:sldSz cx="12192000" cy="6858000"/>
   <p:notesSz cx="6858000" cy="9144000"/>
@@ -280,7 +284,7 @@
           <a:p>
             <a:fld id="{F7232416-3236-4BEC-9F65-32C6B7F68842}" type="datetimeFigureOut">
               <a:rPr lang="ko-KR" altLang="en-US" smtClean="0"/>
-              <a:t>2020-08-20</a:t>
+              <a:t>2020-08-25</a:t>
             </a:fld>
             <a:endParaRPr lang="ko-KR" altLang="en-US"/>
           </a:p>
@@ -478,7 +482,7 @@
           <a:p>
             <a:fld id="{F7232416-3236-4BEC-9F65-32C6B7F68842}" type="datetimeFigureOut">
               <a:rPr lang="ko-KR" altLang="en-US" smtClean="0"/>
-              <a:t>2020-08-20</a:t>
+              <a:t>2020-08-25</a:t>
             </a:fld>
             <a:endParaRPr lang="ko-KR" altLang="en-US"/>
           </a:p>
@@ -686,7 +690,7 @@
           <a:p>
             <a:fld id="{F7232416-3236-4BEC-9F65-32C6B7F68842}" type="datetimeFigureOut">
               <a:rPr lang="ko-KR" altLang="en-US" smtClean="0"/>
-              <a:t>2020-08-20</a:t>
+              <a:t>2020-08-25</a:t>
             </a:fld>
             <a:endParaRPr lang="ko-KR" altLang="en-US"/>
           </a:p>
@@ -884,7 +888,7 @@
           <a:p>
             <a:fld id="{F7232416-3236-4BEC-9F65-32C6B7F68842}" type="datetimeFigureOut">
               <a:rPr lang="ko-KR" altLang="en-US" smtClean="0"/>
-              <a:t>2020-08-20</a:t>
+              <a:t>2020-08-25</a:t>
             </a:fld>
             <a:endParaRPr lang="ko-KR" altLang="en-US"/>
           </a:p>
@@ -1159,7 +1163,7 @@
           <a:p>
             <a:fld id="{F7232416-3236-4BEC-9F65-32C6B7F68842}" type="datetimeFigureOut">
               <a:rPr lang="ko-KR" altLang="en-US" smtClean="0"/>
-              <a:t>2020-08-20</a:t>
+              <a:t>2020-08-25</a:t>
             </a:fld>
             <a:endParaRPr lang="ko-KR" altLang="en-US"/>
           </a:p>
@@ -1424,7 +1428,7 @@
           <a:p>
             <a:fld id="{F7232416-3236-4BEC-9F65-32C6B7F68842}" type="datetimeFigureOut">
               <a:rPr lang="ko-KR" altLang="en-US" smtClean="0"/>
-              <a:t>2020-08-20</a:t>
+              <a:t>2020-08-25</a:t>
             </a:fld>
             <a:endParaRPr lang="ko-KR" altLang="en-US"/>
           </a:p>
@@ -1836,7 +1840,7 @@
           <a:p>
             <a:fld id="{F7232416-3236-4BEC-9F65-32C6B7F68842}" type="datetimeFigureOut">
               <a:rPr lang="ko-KR" altLang="en-US" smtClean="0"/>
-              <a:t>2020-08-20</a:t>
+              <a:t>2020-08-25</a:t>
             </a:fld>
             <a:endParaRPr lang="ko-KR" altLang="en-US"/>
           </a:p>
@@ -1977,7 +1981,7 @@
           <a:p>
             <a:fld id="{F7232416-3236-4BEC-9F65-32C6B7F68842}" type="datetimeFigureOut">
               <a:rPr lang="ko-KR" altLang="en-US" smtClean="0"/>
-              <a:t>2020-08-20</a:t>
+              <a:t>2020-08-25</a:t>
             </a:fld>
             <a:endParaRPr lang="ko-KR" altLang="en-US"/>
           </a:p>
@@ -2090,7 +2094,7 @@
           <a:p>
             <a:fld id="{F7232416-3236-4BEC-9F65-32C6B7F68842}" type="datetimeFigureOut">
               <a:rPr lang="ko-KR" altLang="en-US" smtClean="0"/>
-              <a:t>2020-08-20</a:t>
+              <a:t>2020-08-25</a:t>
             </a:fld>
             <a:endParaRPr lang="ko-KR" altLang="en-US"/>
           </a:p>
@@ -2401,7 +2405,7 @@
           <a:p>
             <a:fld id="{F7232416-3236-4BEC-9F65-32C6B7F68842}" type="datetimeFigureOut">
               <a:rPr lang="ko-KR" altLang="en-US" smtClean="0"/>
-              <a:t>2020-08-20</a:t>
+              <a:t>2020-08-25</a:t>
             </a:fld>
             <a:endParaRPr lang="ko-KR" altLang="en-US"/>
           </a:p>
@@ -2689,7 +2693,7 @@
           <a:p>
             <a:fld id="{F7232416-3236-4BEC-9F65-32C6B7F68842}" type="datetimeFigureOut">
               <a:rPr lang="ko-KR" altLang="en-US" smtClean="0"/>
-              <a:t>2020-08-20</a:t>
+              <a:t>2020-08-25</a:t>
             </a:fld>
             <a:endParaRPr lang="ko-KR" altLang="en-US"/>
           </a:p>
@@ -2930,7 +2934,7 @@
           <a:p>
             <a:fld id="{F7232416-3236-4BEC-9F65-32C6B7F68842}" type="datetimeFigureOut">
               <a:rPr lang="ko-KR" altLang="en-US" smtClean="0"/>
-              <a:t>2020-08-20</a:t>
+              <a:t>2020-08-25</a:t>
             </a:fld>
             <a:endParaRPr lang="ko-KR" altLang="en-US"/>
           </a:p>
@@ -3485,6 +3489,934 @@
 </p:sld>
 </file>
 
+<file path=ppt/slides/slide10.xml><?xml version="1.0" encoding="utf-8"?>
+<p:sld xmlns:a="http://schemas.openxmlformats.org/drawingml/2006/main" xmlns:r="http://schemas.openxmlformats.org/officeDocument/2006/relationships" xmlns:p="http://schemas.openxmlformats.org/presentationml/2006/main">
+  <p:cSld>
+    <p:spTree>
+      <p:nvGrpSpPr>
+        <p:cNvPr id="1" name=""/>
+        <p:cNvGrpSpPr/>
+        <p:nvPr/>
+      </p:nvGrpSpPr>
+      <p:grpSpPr>
+        <a:xfrm>
+          <a:off x="0" y="0"/>
+          <a:ext cx="0" cy="0"/>
+          <a:chOff x="0" y="0"/>
+          <a:chExt cx="0" cy="0"/>
+        </a:xfrm>
+      </p:grpSpPr>
+      <p:grpSp>
+        <p:nvGrpSpPr>
+          <p:cNvPr id="8" name="그룹 7">
+            <a:extLst>
+              <a:ext uri="{FF2B5EF4-FFF2-40B4-BE49-F238E27FC236}">
+                <a16:creationId xmlns:a16="http://schemas.microsoft.com/office/drawing/2014/main" id="{BFDED87F-AD15-45C7-A613-F8CA2AA81B4D}"/>
+              </a:ext>
+            </a:extLst>
+          </p:cNvPr>
+          <p:cNvGrpSpPr/>
+          <p:nvPr/>
+        </p:nvGrpSpPr>
+        <p:grpSpPr>
+          <a:xfrm>
+            <a:off x="271097" y="330862"/>
+            <a:ext cx="2903423" cy="631437"/>
+            <a:chOff x="607527" y="693172"/>
+            <a:chExt cx="2903423" cy="631437"/>
+          </a:xfrm>
+        </p:grpSpPr>
+        <p:sp>
+          <p:nvSpPr>
+            <p:cNvPr id="7" name="타원 6">
+              <a:extLst>
+                <a:ext uri="{FF2B5EF4-FFF2-40B4-BE49-F238E27FC236}">
+                  <a16:creationId xmlns:a16="http://schemas.microsoft.com/office/drawing/2014/main" id="{41EF9A13-4497-4413-9C8B-A05C16A36BA0}"/>
+                </a:ext>
+              </a:extLst>
+            </p:cNvPr>
+            <p:cNvSpPr/>
+            <p:nvPr/>
+          </p:nvSpPr>
+          <p:spPr>
+            <a:xfrm>
+              <a:off x="607527" y="693172"/>
+              <a:ext cx="631437" cy="631437"/>
+            </a:xfrm>
+            <a:prstGeom prst="ellipse">
+              <a:avLst/>
+            </a:prstGeom>
+            <a:ln>
+              <a:noFill/>
+            </a:ln>
+          </p:spPr>
+          <p:style>
+            <a:lnRef idx="2">
+              <a:schemeClr val="accent1">
+                <a:shade val="50000"/>
+              </a:schemeClr>
+            </a:lnRef>
+            <a:fillRef idx="1">
+              <a:schemeClr val="accent1"/>
+            </a:fillRef>
+            <a:effectRef idx="0">
+              <a:schemeClr val="accent1"/>
+            </a:effectRef>
+            <a:fontRef idx="minor">
+              <a:schemeClr val="lt1"/>
+            </a:fontRef>
+          </p:style>
+          <p:txBody>
+            <a:bodyPr anchor="ctr"/>
+            <a:lstStyle/>
+            <a:p>
+              <a:pPr algn="ctr">
+                <a:defRPr/>
+              </a:pPr>
+              <a:r>
+                <a:rPr lang="en-US" altLang="ko-KR" sz="1400" b="1" dirty="0">
+                  <a:ln w="9525">
+                    <a:solidFill>
+                      <a:schemeClr val="bg1">
+                        <a:alpha val="30000"/>
+                      </a:schemeClr>
+                    </a:solidFill>
+                  </a:ln>
+                  <a:latin typeface="바탕"/>
+                  <a:ea typeface="바탕"/>
+                </a:rPr>
+                <a:t>03</a:t>
+              </a:r>
+              <a:endParaRPr lang="ko-KR" altLang="en-US" sz="1400" b="1" dirty="0">
+                <a:ln w="9525">
+                  <a:solidFill>
+                    <a:schemeClr val="bg1">
+                      <a:alpha val="30000"/>
+                    </a:schemeClr>
+                  </a:solidFill>
+                </a:ln>
+                <a:latin typeface="바탕"/>
+                <a:ea typeface="바탕"/>
+              </a:endParaRPr>
+            </a:p>
+          </p:txBody>
+        </p:sp>
+        <p:sp>
+          <p:nvSpPr>
+            <p:cNvPr id="10" name="TextBox 9">
+              <a:extLst>
+                <a:ext uri="{FF2B5EF4-FFF2-40B4-BE49-F238E27FC236}">
+                  <a16:creationId xmlns:a16="http://schemas.microsoft.com/office/drawing/2014/main" id="{0997D379-0BFF-4493-BD68-EAAAB02EC2E3}"/>
+                </a:ext>
+              </a:extLst>
+            </p:cNvPr>
+            <p:cNvSpPr txBox="1"/>
+            <p:nvPr/>
+          </p:nvSpPr>
+          <p:spPr>
+            <a:xfrm>
+              <a:off x="1330927" y="803283"/>
+              <a:ext cx="2180023" cy="400110"/>
+            </a:xfrm>
+            <a:prstGeom prst="rect">
+              <a:avLst/>
+            </a:prstGeom>
+            <a:noFill/>
+          </p:spPr>
+          <p:txBody>
+            <a:bodyPr wrap="square">
+              <a:spAutoFit/>
+            </a:bodyPr>
+            <a:lstStyle/>
+            <a:p>
+              <a:pPr algn="ctr">
+                <a:defRPr/>
+              </a:pPr>
+              <a:r>
+                <a:rPr lang="ko-KR" altLang="en-US" sz="2000" b="1">
+                  <a:ln w="9525">
+                    <a:solidFill>
+                      <a:schemeClr val="accent1">
+                        <a:alpha val="30000"/>
+                      </a:schemeClr>
+                    </a:solidFill>
+                  </a:ln>
+                  <a:gradFill flip="none" rotWithShape="1">
+                    <a:gsLst>
+                      <a:gs pos="0">
+                        <a:schemeClr val="accent4"/>
+                      </a:gs>
+                      <a:gs pos="63000">
+                        <a:schemeClr val="accent1"/>
+                      </a:gs>
+                    </a:gsLst>
+                    <a:path path="circle">
+                      <a:fillToRect r="100000" b="100000"/>
+                    </a:path>
+                    <a:tileRect l="-100000" t="-100000"/>
+                  </a:gradFill>
+                  <a:latin typeface="바탕"/>
+                  <a:ea typeface="바탕"/>
+                </a:rPr>
+                <a:t>나중에 다시 정리</a:t>
+              </a:r>
+              <a:endParaRPr lang="ko-KR" altLang="en-US" sz="2000" b="1" dirty="0">
+                <a:ln w="9525">
+                  <a:solidFill>
+                    <a:schemeClr val="accent1">
+                      <a:alpha val="30000"/>
+                    </a:schemeClr>
+                  </a:solidFill>
+                </a:ln>
+                <a:gradFill flip="none" rotWithShape="1">
+                  <a:gsLst>
+                    <a:gs pos="0">
+                      <a:schemeClr val="accent4"/>
+                    </a:gs>
+                    <a:gs pos="63000">
+                      <a:schemeClr val="accent1"/>
+                    </a:gs>
+                  </a:gsLst>
+                  <a:path path="circle">
+                    <a:fillToRect r="100000" b="100000"/>
+                  </a:path>
+                  <a:tileRect l="-100000" t="-100000"/>
+                </a:gradFill>
+                <a:latin typeface="바탕"/>
+                <a:ea typeface="바탕"/>
+              </a:endParaRPr>
+            </a:p>
+          </p:txBody>
+        </p:sp>
+      </p:grpSp>
+      <p:sp>
+        <p:nvSpPr>
+          <p:cNvPr id="6" name="TextBox 5">
+            <a:extLst>
+              <a:ext uri="{FF2B5EF4-FFF2-40B4-BE49-F238E27FC236}">
+                <a16:creationId xmlns:a16="http://schemas.microsoft.com/office/drawing/2014/main" id="{0FF2AF8F-A916-4695-91C3-061278E7E7AE}"/>
+              </a:ext>
+            </a:extLst>
+          </p:cNvPr>
+          <p:cNvSpPr txBox="1"/>
+          <p:nvPr/>
+        </p:nvSpPr>
+        <p:spPr>
+          <a:xfrm>
+            <a:off x="994498" y="1057634"/>
+            <a:ext cx="10435502" cy="2862322"/>
+          </a:xfrm>
+          <a:prstGeom prst="rect">
+            <a:avLst/>
+          </a:prstGeom>
+          <a:noFill/>
+        </p:spPr>
+        <p:txBody>
+          <a:bodyPr wrap="square" rtlCol="0">
+            <a:spAutoFit/>
+          </a:bodyPr>
+          <a:lstStyle/>
+          <a:p>
+            <a:r>
+              <a:rPr lang="en-US" altLang="ko-KR" dirty="0">
+                <a:latin typeface="바탕" panose="02030600000101010101" pitchFamily="18" charset="-127"/>
+                <a:ea typeface="바탕" panose="02030600000101010101" pitchFamily="18" charset="-127"/>
+              </a:rPr>
+              <a:t>int</a:t>
+            </a:r>
+            <a:r>
+              <a:rPr lang="ko-KR" altLang="en-US" dirty="0">
+                <a:latin typeface="바탕" panose="02030600000101010101" pitchFamily="18" charset="-127"/>
+                <a:ea typeface="바탕" panose="02030600000101010101" pitchFamily="18" charset="-127"/>
+              </a:rPr>
+              <a:t> </a:t>
+            </a:r>
+            <a:r>
+              <a:rPr lang="en-US" altLang="ko-KR" dirty="0">
+                <a:latin typeface="바탕" panose="02030600000101010101" pitchFamily="18" charset="-127"/>
+                <a:ea typeface="바탕" panose="02030600000101010101" pitchFamily="18" charset="-127"/>
+              </a:rPr>
+              <a:t>main(int</a:t>
+            </a:r>
+            <a:r>
+              <a:rPr lang="ko-KR" altLang="en-US" dirty="0">
+                <a:latin typeface="바탕" panose="02030600000101010101" pitchFamily="18" charset="-127"/>
+                <a:ea typeface="바탕" panose="02030600000101010101" pitchFamily="18" charset="-127"/>
+              </a:rPr>
+              <a:t> </a:t>
+            </a:r>
+            <a:r>
+              <a:rPr lang="en-US" altLang="ko-KR" dirty="0" err="1">
+                <a:latin typeface="바탕" panose="02030600000101010101" pitchFamily="18" charset="-127"/>
+                <a:ea typeface="바탕" panose="02030600000101010101" pitchFamily="18" charset="-127"/>
+              </a:rPr>
+              <a:t>argc</a:t>
+            </a:r>
+            <a:r>
+              <a:rPr lang="en-US" altLang="ko-KR" dirty="0">
+                <a:latin typeface="바탕" panose="02030600000101010101" pitchFamily="18" charset="-127"/>
+                <a:ea typeface="바탕" panose="02030600000101010101" pitchFamily="18" charset="-127"/>
+              </a:rPr>
+              <a:t>,</a:t>
+            </a:r>
+            <a:r>
+              <a:rPr lang="ko-KR" altLang="en-US" dirty="0">
+                <a:latin typeface="바탕" panose="02030600000101010101" pitchFamily="18" charset="-127"/>
+                <a:ea typeface="바탕" panose="02030600000101010101" pitchFamily="18" charset="-127"/>
+              </a:rPr>
+              <a:t> </a:t>
+            </a:r>
+            <a:r>
+              <a:rPr lang="en-US" altLang="ko-KR" dirty="0">
+                <a:latin typeface="바탕" panose="02030600000101010101" pitchFamily="18" charset="-127"/>
+                <a:ea typeface="바탕" panose="02030600000101010101" pitchFamily="18" charset="-127"/>
+              </a:rPr>
+              <a:t>char</a:t>
+            </a:r>
+            <a:r>
+              <a:rPr lang="ko-KR" altLang="en-US" dirty="0">
+                <a:latin typeface="바탕" panose="02030600000101010101" pitchFamily="18" charset="-127"/>
+                <a:ea typeface="바탕" panose="02030600000101010101" pitchFamily="18" charset="-127"/>
+              </a:rPr>
+              <a:t> </a:t>
+            </a:r>
+            <a:r>
+              <a:rPr lang="en-US" altLang="ko-KR" dirty="0">
+                <a:latin typeface="바탕" panose="02030600000101010101" pitchFamily="18" charset="-127"/>
+                <a:ea typeface="바탕" panose="02030600000101010101" pitchFamily="18" charset="-127"/>
+              </a:rPr>
+              <a:t>**</a:t>
+            </a:r>
+            <a:r>
+              <a:rPr lang="en-US" altLang="ko-KR" dirty="0" err="1">
+                <a:latin typeface="바탕" panose="02030600000101010101" pitchFamily="18" charset="-127"/>
+                <a:ea typeface="바탕" panose="02030600000101010101" pitchFamily="18" charset="-127"/>
+              </a:rPr>
+              <a:t>argv</a:t>
+            </a:r>
+            <a:r>
+              <a:rPr lang="en-US" altLang="ko-KR" dirty="0">
+                <a:latin typeface="바탕" panose="02030600000101010101" pitchFamily="18" charset="-127"/>
+                <a:ea typeface="바탕" panose="02030600000101010101" pitchFamily="18" charset="-127"/>
+              </a:rPr>
+              <a:t>)       // </a:t>
+            </a:r>
+            <a:r>
+              <a:rPr lang="ko-KR" altLang="en-US" dirty="0">
+                <a:latin typeface="바탕" panose="02030600000101010101" pitchFamily="18" charset="-127"/>
+                <a:ea typeface="바탕" panose="02030600000101010101" pitchFamily="18" charset="-127"/>
+              </a:rPr>
+              <a:t>노드 메인 함수</a:t>
+            </a:r>
+            <a:endParaRPr lang="en-US" altLang="ko-KR" dirty="0">
+              <a:latin typeface="바탕" panose="02030600000101010101" pitchFamily="18" charset="-127"/>
+              <a:ea typeface="바탕" panose="02030600000101010101" pitchFamily="18" charset="-127"/>
+            </a:endParaRPr>
+          </a:p>
+          <a:p>
+            <a:r>
+              <a:rPr lang="en-US" altLang="ko-KR" dirty="0">
+                <a:latin typeface="바탕" panose="02030600000101010101" pitchFamily="18" charset="-127"/>
+                <a:ea typeface="바탕" panose="02030600000101010101" pitchFamily="18" charset="-127"/>
+              </a:rPr>
+              <a:t>{</a:t>
+            </a:r>
+          </a:p>
+          <a:p>
+            <a:pPr lvl="1"/>
+            <a:r>
+              <a:rPr lang="en-US" altLang="ko-KR" dirty="0" err="1">
+                <a:latin typeface="바탕" panose="02030600000101010101" pitchFamily="18" charset="-127"/>
+                <a:ea typeface="바탕" panose="02030600000101010101" pitchFamily="18" charset="-127"/>
+              </a:rPr>
+              <a:t>ros</a:t>
+            </a:r>
+            <a:r>
+              <a:rPr lang="en-US" altLang="ko-KR" dirty="0">
+                <a:latin typeface="바탕" panose="02030600000101010101" pitchFamily="18" charset="-127"/>
+                <a:ea typeface="바탕" panose="02030600000101010101" pitchFamily="18" charset="-127"/>
+              </a:rPr>
+              <a:t>::</a:t>
+            </a:r>
+            <a:r>
+              <a:rPr lang="en-US" altLang="ko-KR" dirty="0" err="1">
+                <a:latin typeface="바탕" panose="02030600000101010101" pitchFamily="18" charset="-127"/>
+                <a:ea typeface="바탕" panose="02030600000101010101" pitchFamily="18" charset="-127"/>
+              </a:rPr>
+              <a:t>init</a:t>
+            </a:r>
+            <a:r>
+              <a:rPr lang="en-US" altLang="ko-KR" dirty="0">
+                <a:latin typeface="바탕" panose="02030600000101010101" pitchFamily="18" charset="-127"/>
+                <a:ea typeface="바탕" panose="02030600000101010101" pitchFamily="18" charset="-127"/>
+              </a:rPr>
+              <a:t>(</a:t>
+            </a:r>
+            <a:r>
+              <a:rPr lang="en-US" altLang="ko-KR" dirty="0" err="1">
+                <a:latin typeface="바탕" panose="02030600000101010101" pitchFamily="18" charset="-127"/>
+                <a:ea typeface="바탕" panose="02030600000101010101" pitchFamily="18" charset="-127"/>
+              </a:rPr>
+              <a:t>argc</a:t>
+            </a:r>
+            <a:r>
+              <a:rPr lang="en-US" altLang="ko-KR" dirty="0">
+                <a:latin typeface="바탕" panose="02030600000101010101" pitchFamily="18" charset="-127"/>
+                <a:ea typeface="바탕" panose="02030600000101010101" pitchFamily="18" charset="-127"/>
+              </a:rPr>
+              <a:t>, </a:t>
+            </a:r>
+            <a:r>
+              <a:rPr lang="en-US" altLang="ko-KR" dirty="0" err="1">
+                <a:latin typeface="바탕" panose="02030600000101010101" pitchFamily="18" charset="-127"/>
+                <a:ea typeface="바탕" panose="02030600000101010101" pitchFamily="18" charset="-127"/>
+              </a:rPr>
+              <a:t>argv</a:t>
+            </a:r>
+            <a:r>
+              <a:rPr lang="en-US" altLang="ko-KR" dirty="0">
+                <a:latin typeface="바탕" panose="02030600000101010101" pitchFamily="18" charset="-127"/>
+                <a:ea typeface="바탕" panose="02030600000101010101" pitchFamily="18" charset="-127"/>
+              </a:rPr>
+              <a:t>, “</a:t>
+            </a:r>
+            <a:r>
+              <a:rPr lang="en-US" altLang="ko-KR" b="1" dirty="0">
+                <a:latin typeface="바탕" panose="02030600000101010101" pitchFamily="18" charset="-127"/>
+                <a:ea typeface="바탕" panose="02030600000101010101" pitchFamily="18" charset="-127"/>
+              </a:rPr>
+              <a:t>node1</a:t>
+            </a:r>
+            <a:r>
+              <a:rPr lang="en-US" altLang="ko-KR" dirty="0">
+                <a:latin typeface="바탕" panose="02030600000101010101" pitchFamily="18" charset="-127"/>
+                <a:ea typeface="바탕" panose="02030600000101010101" pitchFamily="18" charset="-127"/>
+              </a:rPr>
+              <a:t>”);  // </a:t>
+            </a:r>
+            <a:r>
+              <a:rPr lang="ko-KR" altLang="en-US" dirty="0" err="1">
+                <a:latin typeface="바탕" panose="02030600000101010101" pitchFamily="18" charset="-127"/>
+                <a:ea typeface="바탕" panose="02030600000101010101" pitchFamily="18" charset="-127"/>
+              </a:rPr>
+              <a:t>노드명</a:t>
+            </a:r>
+            <a:r>
+              <a:rPr lang="ko-KR" altLang="en-US" dirty="0">
+                <a:latin typeface="바탕" panose="02030600000101010101" pitchFamily="18" charset="-127"/>
+                <a:ea typeface="바탕" panose="02030600000101010101" pitchFamily="18" charset="-127"/>
+              </a:rPr>
+              <a:t> 초기화</a:t>
+            </a:r>
+            <a:endParaRPr lang="en-US" altLang="ko-KR" dirty="0">
+              <a:latin typeface="바탕" panose="02030600000101010101" pitchFamily="18" charset="-127"/>
+              <a:ea typeface="바탕" panose="02030600000101010101" pitchFamily="18" charset="-127"/>
+            </a:endParaRPr>
+          </a:p>
+          <a:p>
+            <a:pPr lvl="1"/>
+            <a:r>
+              <a:rPr lang="en-US" altLang="ko-KR" dirty="0">
+                <a:latin typeface="바탕" panose="02030600000101010101" pitchFamily="18" charset="-127"/>
+                <a:ea typeface="바탕" panose="02030600000101010101" pitchFamily="18" charset="-127"/>
+              </a:rPr>
+              <a:t>Ros::</a:t>
+            </a:r>
+            <a:r>
+              <a:rPr lang="en-US" altLang="ko-KR" dirty="0" err="1">
+                <a:latin typeface="바탕" panose="02030600000101010101" pitchFamily="18" charset="-127"/>
+                <a:ea typeface="바탕" panose="02030600000101010101" pitchFamily="18" charset="-127"/>
+              </a:rPr>
+              <a:t>NodeHandle</a:t>
+            </a:r>
+            <a:r>
+              <a:rPr lang="en-US" altLang="ko-KR" dirty="0">
+                <a:latin typeface="바탕" panose="02030600000101010101" pitchFamily="18" charset="-127"/>
+                <a:ea typeface="바탕" panose="02030600000101010101" pitchFamily="18" charset="-127"/>
+              </a:rPr>
+              <a:t> </a:t>
+            </a:r>
+            <a:r>
+              <a:rPr lang="en-US" altLang="ko-KR" dirty="0" err="1">
+                <a:latin typeface="바탕" panose="02030600000101010101" pitchFamily="18" charset="-127"/>
+                <a:ea typeface="바탕" panose="02030600000101010101" pitchFamily="18" charset="-127"/>
+              </a:rPr>
+              <a:t>nh</a:t>
+            </a:r>
+            <a:r>
+              <a:rPr lang="en-US" altLang="ko-KR" dirty="0">
+                <a:latin typeface="바탕" panose="02030600000101010101" pitchFamily="18" charset="-127"/>
+                <a:ea typeface="바탕" panose="02030600000101010101" pitchFamily="18" charset="-127"/>
+              </a:rPr>
+              <a:t>;              // </a:t>
+            </a:r>
+            <a:r>
+              <a:rPr lang="ko-KR" altLang="en-US" dirty="0">
+                <a:latin typeface="바탕" panose="02030600000101010101" pitchFamily="18" charset="-127"/>
+                <a:ea typeface="바탕" panose="02030600000101010101" pitchFamily="18" charset="-127"/>
+              </a:rPr>
+              <a:t>노드 핸들 선언</a:t>
+            </a:r>
+            <a:endParaRPr lang="en-US" altLang="ko-KR" dirty="0">
+              <a:latin typeface="바탕" panose="02030600000101010101" pitchFamily="18" charset="-127"/>
+              <a:ea typeface="바탕" panose="02030600000101010101" pitchFamily="18" charset="-127"/>
+            </a:endParaRPr>
+          </a:p>
+          <a:p>
+            <a:pPr lvl="1"/>
+            <a:endParaRPr lang="en-US" altLang="ko-KR" dirty="0">
+              <a:latin typeface="바탕" panose="02030600000101010101" pitchFamily="18" charset="-127"/>
+              <a:ea typeface="바탕" panose="02030600000101010101" pitchFamily="18" charset="-127"/>
+            </a:endParaRPr>
+          </a:p>
+          <a:p>
+            <a:pPr lvl="1"/>
+            <a:r>
+              <a:rPr lang="en-US" altLang="ko-KR" dirty="0">
+                <a:latin typeface="바탕" panose="02030600000101010101" pitchFamily="18" charset="-127"/>
+                <a:ea typeface="바탕" panose="02030600000101010101" pitchFamily="18" charset="-127"/>
+              </a:rPr>
+              <a:t>// </a:t>
+            </a:r>
+            <a:r>
+              <a:rPr lang="ko-KR" altLang="en-US" dirty="0">
+                <a:latin typeface="바탕" panose="02030600000101010101" pitchFamily="18" charset="-127"/>
+                <a:ea typeface="바탕" panose="02030600000101010101" pitchFamily="18" charset="-127"/>
+              </a:rPr>
+              <a:t>퍼블리셔 선언</a:t>
+            </a:r>
+            <a:r>
+              <a:rPr lang="en-US" altLang="ko-KR" dirty="0">
+                <a:latin typeface="바탕" panose="02030600000101010101" pitchFamily="18" charset="-127"/>
+                <a:ea typeface="바탕" panose="02030600000101010101" pitchFamily="18" charset="-127"/>
+              </a:rPr>
+              <a:t>, </a:t>
+            </a:r>
+            <a:r>
+              <a:rPr lang="ko-KR" altLang="en-US" dirty="0" err="1">
+                <a:latin typeface="바탕" panose="02030600000101010101" pitchFamily="18" charset="-127"/>
+                <a:ea typeface="바탕" panose="02030600000101010101" pitchFamily="18" charset="-127"/>
+              </a:rPr>
+              <a:t>토픽명</a:t>
+            </a:r>
+            <a:r>
+              <a:rPr lang="ko-KR" altLang="en-US" dirty="0">
+                <a:latin typeface="바탕" panose="02030600000101010101" pitchFamily="18" charset="-127"/>
+                <a:ea typeface="바탕" panose="02030600000101010101" pitchFamily="18" charset="-127"/>
+              </a:rPr>
+              <a:t> </a:t>
+            </a:r>
+            <a:r>
+              <a:rPr lang="en-US" altLang="ko-KR" dirty="0">
+                <a:latin typeface="바탕" panose="02030600000101010101" pitchFamily="18" charset="-127"/>
+                <a:ea typeface="바탕" panose="02030600000101010101" pitchFamily="18" charset="-127"/>
+              </a:rPr>
+              <a:t>= bar</a:t>
+            </a:r>
+          </a:p>
+          <a:p>
+            <a:pPr lvl="1"/>
+            <a:r>
+              <a:rPr lang="en-US" altLang="ko-KR" dirty="0" err="1">
+                <a:latin typeface="바탕" panose="02030600000101010101" pitchFamily="18" charset="-127"/>
+                <a:ea typeface="바탕" panose="02030600000101010101" pitchFamily="18" charset="-127"/>
+              </a:rPr>
+              <a:t>ros</a:t>
+            </a:r>
+            <a:r>
+              <a:rPr lang="en-US" altLang="ko-KR" dirty="0">
+                <a:latin typeface="바탕" panose="02030600000101010101" pitchFamily="18" charset="-127"/>
+                <a:ea typeface="바탕" panose="02030600000101010101" pitchFamily="18" charset="-127"/>
+              </a:rPr>
+              <a:t>::Publisher node1_pub =    </a:t>
+            </a:r>
+            <a:r>
+              <a:rPr lang="en-US" altLang="ko-KR" dirty="0" err="1">
+                <a:latin typeface="바탕" panose="02030600000101010101" pitchFamily="18" charset="-127"/>
+                <a:ea typeface="바탕" panose="02030600000101010101" pitchFamily="18" charset="-127"/>
+              </a:rPr>
+              <a:t>nh.advertise</a:t>
+            </a:r>
+            <a:r>
+              <a:rPr lang="en-US" altLang="ko-KR" dirty="0">
+                <a:latin typeface="바탕" panose="02030600000101010101" pitchFamily="18" charset="-127"/>
+                <a:ea typeface="바탕" panose="02030600000101010101" pitchFamily="18" charset="-127"/>
+              </a:rPr>
+              <a:t>&lt;</a:t>
+            </a:r>
+            <a:r>
+              <a:rPr lang="en-US" altLang="ko-KR" dirty="0" err="1">
+                <a:latin typeface="바탕" panose="02030600000101010101" pitchFamily="18" charset="-127"/>
+                <a:ea typeface="바탕" panose="02030600000101010101" pitchFamily="18" charset="-127"/>
+              </a:rPr>
+              <a:t>std_msg</a:t>
+            </a:r>
+            <a:r>
+              <a:rPr lang="en-US" altLang="ko-KR" dirty="0">
+                <a:latin typeface="바탕" panose="02030600000101010101" pitchFamily="18" charset="-127"/>
+                <a:ea typeface="바탕" panose="02030600000101010101" pitchFamily="18" charset="-127"/>
+              </a:rPr>
+              <a:t>::Int32&gt;(“</a:t>
+            </a:r>
+            <a:r>
+              <a:rPr lang="en-US" altLang="ko-KR" b="1" dirty="0">
+                <a:latin typeface="바탕" panose="02030600000101010101" pitchFamily="18" charset="-127"/>
+                <a:ea typeface="바탕" panose="02030600000101010101" pitchFamily="18" charset="-127"/>
+              </a:rPr>
+              <a:t>bar</a:t>
+            </a:r>
+            <a:r>
+              <a:rPr lang="en-US" altLang="ko-KR" dirty="0">
+                <a:latin typeface="바탕" panose="02030600000101010101" pitchFamily="18" charset="-127"/>
+                <a:ea typeface="바탕" panose="02030600000101010101" pitchFamily="18" charset="-127"/>
+              </a:rPr>
+              <a:t>”, 10);</a:t>
+            </a:r>
+          </a:p>
+          <a:p>
+            <a:pPr lvl="1"/>
+            <a:endParaRPr lang="en-US" altLang="ko-KR" dirty="0">
+              <a:latin typeface="바탕" panose="02030600000101010101" pitchFamily="18" charset="-127"/>
+              <a:ea typeface="바탕" panose="02030600000101010101" pitchFamily="18" charset="-127"/>
+            </a:endParaRPr>
+          </a:p>
+          <a:p>
+            <a:pPr lvl="1"/>
+            <a:r>
+              <a:rPr lang="en-US" altLang="ko-KR" dirty="0">
+                <a:latin typeface="바탕" panose="02030600000101010101" pitchFamily="18" charset="-127"/>
+                <a:ea typeface="바탕" panose="02030600000101010101" pitchFamily="18" charset="-127"/>
+              </a:rPr>
+              <a:t>Class</a:t>
+            </a:r>
+            <a:r>
+              <a:rPr lang="ko-KR" altLang="en-US" dirty="0">
+                <a:latin typeface="바탕" panose="02030600000101010101" pitchFamily="18" charset="-127"/>
+                <a:ea typeface="바탕" panose="02030600000101010101" pitchFamily="18" charset="-127"/>
+              </a:rPr>
+              <a:t>로</a:t>
+            </a:r>
+            <a:r>
+              <a:rPr lang="en-US" altLang="ko-KR" dirty="0">
+                <a:latin typeface="바탕" panose="02030600000101010101" pitchFamily="18" charset="-127"/>
+                <a:ea typeface="바탕" panose="02030600000101010101" pitchFamily="18" charset="-127"/>
+              </a:rPr>
+              <a:t> </a:t>
+            </a:r>
+            <a:r>
+              <a:rPr lang="ko-KR" altLang="en-US" dirty="0">
+                <a:latin typeface="바탕" panose="02030600000101010101" pitchFamily="18" charset="-127"/>
+                <a:ea typeface="바탕" panose="02030600000101010101" pitchFamily="18" charset="-127"/>
+              </a:rPr>
+              <a:t>구현할 때 사용되는 방식 </a:t>
+            </a:r>
+            <a:r>
+              <a:rPr lang="en-US" altLang="ko-KR" dirty="0">
+                <a:latin typeface="바탕" panose="02030600000101010101" pitchFamily="18" charset="-127"/>
+                <a:ea typeface="바탕" panose="02030600000101010101" pitchFamily="18" charset="-127"/>
+              </a:rPr>
+              <a:t> </a:t>
+            </a:r>
+          </a:p>
+          <a:p>
+            <a:endParaRPr lang="en-US" altLang="ko-KR" dirty="0">
+              <a:latin typeface="바탕" panose="02030600000101010101" pitchFamily="18" charset="-127"/>
+              <a:ea typeface="바탕" panose="02030600000101010101" pitchFamily="18" charset="-127"/>
+            </a:endParaRPr>
+          </a:p>
+        </p:txBody>
+      </p:sp>
+      <p:sp>
+        <p:nvSpPr>
+          <p:cNvPr id="12" name="TextBox 11">
+            <a:extLst>
+              <a:ext uri="{FF2B5EF4-FFF2-40B4-BE49-F238E27FC236}">
+                <a16:creationId xmlns:a16="http://schemas.microsoft.com/office/drawing/2014/main" id="{D6413788-6E66-4646-B9C3-8113AA7A1264}"/>
+              </a:ext>
+            </a:extLst>
+          </p:cNvPr>
+          <p:cNvSpPr txBox="1"/>
+          <p:nvPr/>
+        </p:nvSpPr>
+        <p:spPr>
+          <a:xfrm>
+            <a:off x="878249" y="3872390"/>
+            <a:ext cx="10435502" cy="646331"/>
+          </a:xfrm>
+          <a:prstGeom prst="rect">
+            <a:avLst/>
+          </a:prstGeom>
+          <a:noFill/>
+        </p:spPr>
+        <p:txBody>
+          <a:bodyPr wrap="square" rtlCol="0">
+            <a:spAutoFit/>
+          </a:bodyPr>
+          <a:lstStyle/>
+          <a:p>
+            <a:pPr marL="285750" indent="-285750">
+              <a:buFont typeface="Arial" panose="020B0604020202020204" pitchFamily="34" charset="0"/>
+              <a:buChar char="•"/>
+            </a:pPr>
+            <a:r>
+              <a:rPr lang="en-US" altLang="ko-KR" dirty="0">
+                <a:latin typeface="바탕" panose="02030600000101010101" pitchFamily="18" charset="-127"/>
+                <a:ea typeface="바탕" panose="02030600000101010101" pitchFamily="18" charset="-127"/>
+              </a:rPr>
+              <a:t>Visual studio code(</a:t>
+            </a:r>
+            <a:r>
+              <a:rPr lang="ko-KR" altLang="en-US" dirty="0">
+                <a:latin typeface="바탕" panose="02030600000101010101" pitchFamily="18" charset="-127"/>
+                <a:ea typeface="바탕" panose="02030600000101010101" pitchFamily="18" charset="-127"/>
+              </a:rPr>
+              <a:t>기존 </a:t>
+            </a:r>
+            <a:r>
+              <a:rPr lang="en-US" altLang="ko-KR" dirty="0">
+                <a:latin typeface="바탕" panose="02030600000101010101" pitchFamily="18" charset="-127"/>
+                <a:ea typeface="바탕" panose="02030600000101010101" pitchFamily="18" charset="-127"/>
+              </a:rPr>
+              <a:t>visual studio</a:t>
+            </a:r>
+            <a:r>
+              <a:rPr lang="ko-KR" altLang="en-US" dirty="0">
+                <a:latin typeface="바탕" panose="02030600000101010101" pitchFamily="18" charset="-127"/>
+                <a:ea typeface="바탕" panose="02030600000101010101" pitchFamily="18" charset="-127"/>
+              </a:rPr>
+              <a:t>와 다르게 코드만 수정 할 수 있는 프로그램</a:t>
+            </a:r>
+            <a:r>
+              <a:rPr lang="en-US" altLang="ko-KR" dirty="0">
+                <a:latin typeface="바탕" panose="02030600000101010101" pitchFamily="18" charset="-127"/>
+                <a:ea typeface="바탕" panose="02030600000101010101" pitchFamily="18" charset="-127"/>
+              </a:rPr>
+              <a:t>) </a:t>
+            </a:r>
+            <a:r>
+              <a:rPr lang="ko-KR" altLang="en-US" dirty="0">
+                <a:latin typeface="바탕" panose="02030600000101010101" pitchFamily="18" charset="-127"/>
+                <a:ea typeface="바탕" panose="02030600000101010101" pitchFamily="18" charset="-127"/>
+              </a:rPr>
+              <a:t>설치 및 </a:t>
+            </a:r>
+            <a:r>
+              <a:rPr lang="en-US" altLang="ko-KR" dirty="0">
+                <a:latin typeface="바탕" panose="02030600000101010101" pitchFamily="18" charset="-127"/>
+                <a:ea typeface="바탕" panose="02030600000101010101" pitchFamily="18" charset="-127"/>
+              </a:rPr>
+              <a:t>python</a:t>
+            </a:r>
+            <a:r>
+              <a:rPr lang="ko-KR" altLang="en-US" dirty="0">
+                <a:latin typeface="바탕" panose="02030600000101010101" pitchFamily="18" charset="-127"/>
+                <a:ea typeface="바탕" panose="02030600000101010101" pitchFamily="18" charset="-127"/>
+              </a:rPr>
+              <a:t>파일 편집을 위해 가상환경 생성하는 법</a:t>
+            </a:r>
+            <a:endParaRPr lang="en-US" altLang="ko-KR" dirty="0">
+              <a:latin typeface="바탕" panose="02030600000101010101" pitchFamily="18" charset="-127"/>
+              <a:ea typeface="바탕" panose="02030600000101010101" pitchFamily="18" charset="-127"/>
+            </a:endParaRPr>
+          </a:p>
+        </p:txBody>
+      </p:sp>
+      <p:sp>
+        <p:nvSpPr>
+          <p:cNvPr id="14" name="TextBox 13">
+            <a:extLst>
+              <a:ext uri="{FF2B5EF4-FFF2-40B4-BE49-F238E27FC236}">
+                <a16:creationId xmlns:a16="http://schemas.microsoft.com/office/drawing/2014/main" id="{BC65D033-28A9-4600-80AD-999991A5AE30}"/>
+              </a:ext>
+            </a:extLst>
+          </p:cNvPr>
+          <p:cNvSpPr txBox="1"/>
+          <p:nvPr/>
+        </p:nvSpPr>
+        <p:spPr>
+          <a:xfrm>
+            <a:off x="878249" y="4722135"/>
+            <a:ext cx="10435502" cy="646331"/>
+          </a:xfrm>
+          <a:prstGeom prst="rect">
+            <a:avLst/>
+          </a:prstGeom>
+          <a:noFill/>
+        </p:spPr>
+        <p:txBody>
+          <a:bodyPr wrap="square" rtlCol="0">
+            <a:spAutoFit/>
+          </a:bodyPr>
+          <a:lstStyle/>
+          <a:p>
+            <a:pPr marL="285750" indent="-285750">
+              <a:buFont typeface="Arial" panose="020B0604020202020204" pitchFamily="34" charset="0"/>
+              <a:buChar char="•"/>
+            </a:pPr>
+            <a:r>
+              <a:rPr lang="ko-KR" altLang="en-US" dirty="0">
+                <a:latin typeface="바탕" panose="02030600000101010101" pitchFamily="18" charset="-127"/>
+                <a:ea typeface="바탕" panose="02030600000101010101" pitchFamily="18" charset="-127"/>
+              </a:rPr>
+              <a:t>패키지 설정 파일</a:t>
+            </a:r>
+            <a:r>
+              <a:rPr lang="en-US" altLang="ko-KR" dirty="0">
+                <a:latin typeface="바탕" panose="02030600000101010101" pitchFamily="18" charset="-127"/>
+                <a:ea typeface="바탕" panose="02030600000101010101" pitchFamily="18" charset="-127"/>
+              </a:rPr>
+              <a:t>(package.xml) : </a:t>
+            </a:r>
+            <a:r>
+              <a:rPr lang="ko-KR" altLang="en-US" dirty="0">
+                <a:latin typeface="바탕" panose="02030600000101010101" pitchFamily="18" charset="-127"/>
+                <a:ea typeface="바탕" panose="02030600000101010101" pitchFamily="18" charset="-127"/>
+              </a:rPr>
+              <a:t>패키지의 정보를 담은 </a:t>
+            </a:r>
+            <a:r>
+              <a:rPr lang="en-US" altLang="ko-KR" dirty="0">
+                <a:latin typeface="바탕" panose="02030600000101010101" pitchFamily="18" charset="-127"/>
+                <a:ea typeface="바탕" panose="02030600000101010101" pitchFamily="18" charset="-127"/>
+              </a:rPr>
+              <a:t>xml</a:t>
+            </a:r>
+            <a:r>
+              <a:rPr lang="ko-KR" altLang="en-US" dirty="0">
+                <a:latin typeface="바탕" panose="02030600000101010101" pitchFamily="18" charset="-127"/>
+                <a:ea typeface="바탕" panose="02030600000101010101" pitchFamily="18" charset="-127"/>
+              </a:rPr>
+              <a:t>파일</a:t>
+            </a:r>
+            <a:r>
+              <a:rPr lang="en-US" altLang="ko-KR" dirty="0">
+                <a:latin typeface="바탕" panose="02030600000101010101" pitchFamily="18" charset="-127"/>
+                <a:ea typeface="바탕" panose="02030600000101010101" pitchFamily="18" charset="-127"/>
+              </a:rPr>
+              <a:t>. </a:t>
+            </a:r>
+            <a:r>
+              <a:rPr lang="ko-KR" altLang="en-US" dirty="0">
+                <a:latin typeface="바탕" panose="02030600000101010101" pitchFamily="18" charset="-127"/>
+                <a:ea typeface="바탕" panose="02030600000101010101" pitchFamily="18" charset="-127"/>
+              </a:rPr>
+              <a:t>패키지의 이름</a:t>
+            </a:r>
+            <a:r>
+              <a:rPr lang="en-US" altLang="ko-KR" dirty="0">
+                <a:latin typeface="바탕" panose="02030600000101010101" pitchFamily="18" charset="-127"/>
+                <a:ea typeface="바탕" panose="02030600000101010101" pitchFamily="18" charset="-127"/>
+              </a:rPr>
+              <a:t>, </a:t>
+            </a:r>
+            <a:r>
+              <a:rPr lang="ko-KR" altLang="en-US" dirty="0">
+                <a:latin typeface="바탕" panose="02030600000101010101" pitchFamily="18" charset="-127"/>
+                <a:ea typeface="바탕" panose="02030600000101010101" pitchFamily="18" charset="-127"/>
+              </a:rPr>
+              <a:t>저작자</a:t>
+            </a:r>
+            <a:r>
+              <a:rPr lang="en-US" altLang="ko-KR" dirty="0">
+                <a:latin typeface="바탕" panose="02030600000101010101" pitchFamily="18" charset="-127"/>
+                <a:ea typeface="바탕" panose="02030600000101010101" pitchFamily="18" charset="-127"/>
+              </a:rPr>
+              <a:t>, </a:t>
+            </a:r>
+            <a:r>
+              <a:rPr lang="ko-KR" altLang="en-US" dirty="0">
+                <a:latin typeface="바탕" panose="02030600000101010101" pitchFamily="18" charset="-127"/>
+                <a:ea typeface="바탕" panose="02030600000101010101" pitchFamily="18" charset="-127"/>
+              </a:rPr>
+              <a:t>라이선스</a:t>
+            </a:r>
+            <a:r>
+              <a:rPr lang="en-US" altLang="ko-KR" dirty="0">
+                <a:latin typeface="바탕" panose="02030600000101010101" pitchFamily="18" charset="-127"/>
+                <a:ea typeface="바탕" panose="02030600000101010101" pitchFamily="18" charset="-127"/>
+              </a:rPr>
+              <a:t>, </a:t>
+            </a:r>
+            <a:r>
+              <a:rPr lang="ko-KR" altLang="en-US" dirty="0">
+                <a:latin typeface="바탕" panose="02030600000101010101" pitchFamily="18" charset="-127"/>
+                <a:ea typeface="바탕" panose="02030600000101010101" pitchFamily="18" charset="-127"/>
+              </a:rPr>
+              <a:t>의존성 패키지 등을 기술하고 있음</a:t>
+            </a:r>
+            <a:r>
+              <a:rPr lang="en-US" altLang="ko-KR" dirty="0">
+                <a:latin typeface="바탕" panose="02030600000101010101" pitchFamily="18" charset="-127"/>
+                <a:ea typeface="바탕" panose="02030600000101010101" pitchFamily="18" charset="-127"/>
+              </a:rPr>
+              <a:t>.</a:t>
+            </a:r>
+          </a:p>
+        </p:txBody>
+      </p:sp>
+      <p:sp>
+        <p:nvSpPr>
+          <p:cNvPr id="9" name="TextBox 8">
+            <a:extLst>
+              <a:ext uri="{FF2B5EF4-FFF2-40B4-BE49-F238E27FC236}">
+                <a16:creationId xmlns:a16="http://schemas.microsoft.com/office/drawing/2014/main" id="{36FC669E-6F49-4026-B10C-AB3AC28D44D4}"/>
+              </a:ext>
+            </a:extLst>
+          </p:cNvPr>
+          <p:cNvSpPr txBox="1"/>
+          <p:nvPr/>
+        </p:nvSpPr>
+        <p:spPr>
+          <a:xfrm>
+            <a:off x="878249" y="5571880"/>
+            <a:ext cx="10435502" cy="369332"/>
+          </a:xfrm>
+          <a:prstGeom prst="rect">
+            <a:avLst/>
+          </a:prstGeom>
+          <a:noFill/>
+        </p:spPr>
+        <p:txBody>
+          <a:bodyPr wrap="square" rtlCol="0">
+            <a:spAutoFit/>
+          </a:bodyPr>
+          <a:lstStyle/>
+          <a:p>
+            <a:pPr marL="285750" indent="-285750">
+              <a:buFont typeface="Arial" panose="020B0604020202020204" pitchFamily="34" charset="0"/>
+              <a:buChar char="•"/>
+            </a:pPr>
+            <a:r>
+              <a:rPr lang="ko-KR" altLang="en-US" dirty="0">
+                <a:latin typeface="바탕" panose="02030600000101010101" pitchFamily="18" charset="-127"/>
+                <a:ea typeface="바탕" panose="02030600000101010101" pitchFamily="18" charset="-127"/>
+              </a:rPr>
+              <a:t>빌드 설정 파일</a:t>
+            </a:r>
+            <a:r>
+              <a:rPr lang="en-US" altLang="ko-KR" dirty="0">
+                <a:latin typeface="바탕" panose="02030600000101010101" pitchFamily="18" charset="-127"/>
+                <a:ea typeface="바탕" panose="02030600000101010101" pitchFamily="18" charset="-127"/>
+              </a:rPr>
+              <a:t>(CMakeLists.txt)</a:t>
+            </a:r>
+          </a:p>
+        </p:txBody>
+      </p:sp>
+    </p:spTree>
+    <p:extLst>
+      <p:ext uri="{BB962C8B-B14F-4D97-AF65-F5344CB8AC3E}">
+        <p14:creationId xmlns:p14="http://schemas.microsoft.com/office/powerpoint/2010/main" val="365770274"/>
+      </p:ext>
+    </p:extLst>
+  </p:cSld>
+  <p:clrMapOvr>
+    <a:masterClrMapping/>
+  </p:clrMapOvr>
+  <p:transition/>
+</p:sld>
+</file>
+
 <file path=ppt/slides/slide2.xml><?xml version="1.0" encoding="utf-8"?>
 <p:sld xmlns:a="http://schemas.openxmlformats.org/drawingml/2006/main" xmlns:r="http://schemas.openxmlformats.org/officeDocument/2006/relationships" xmlns:p="http://schemas.openxmlformats.org/presentationml/2006/main">
   <p:cSld>
@@ -3712,7 +4644,7 @@
                 <a:latin typeface="바탕" panose="02030600000101010101" pitchFamily="18" charset="-127"/>
                 <a:ea typeface="바탕" panose="02030600000101010101" pitchFamily="18" charset="-127"/>
               </a:rPr>
-              <a:t>ifconfig</a:t>
+              <a:t>$ ifconfig</a:t>
             </a:r>
           </a:p>
         </p:txBody>
@@ -4388,16 +5320,47 @@
               <a:t> </a:t>
             </a:r>
             <a:r>
-              <a:rPr lang="ko-KR" altLang="en-US" dirty="0">
-                <a:latin typeface="바탕" panose="02030600000101010101" pitchFamily="18" charset="-127"/>
-                <a:ea typeface="바탕" panose="02030600000101010101" pitchFamily="18" charset="-127"/>
-              </a:rPr>
-              <a:t>입력</a:t>
-            </a:r>
-            <a:endParaRPr lang="en-US" altLang="ko-KR" dirty="0">
-              <a:latin typeface="바탕" panose="02030600000101010101" pitchFamily="18" charset="-127"/>
-              <a:ea typeface="바탕" panose="02030600000101010101" pitchFamily="18" charset="-127"/>
-            </a:endParaRPr>
+              <a:rPr lang="ko-KR" altLang="en-US" dirty="0" err="1">
+                <a:latin typeface="바탕" panose="02030600000101010101" pitchFamily="18" charset="-127"/>
+                <a:ea typeface="바탕" panose="02030600000101010101" pitchFamily="18" charset="-127"/>
+              </a:rPr>
+              <a:t>입력시</a:t>
+            </a:r>
+            <a:r>
+              <a:rPr lang="ko-KR" altLang="en-US" dirty="0">
+                <a:latin typeface="바탕" panose="02030600000101010101" pitchFamily="18" charset="-127"/>
+                <a:ea typeface="바탕" panose="02030600000101010101" pitchFamily="18" charset="-127"/>
+              </a:rPr>
+              <a:t> </a:t>
+            </a:r>
+            <a:r>
+              <a:rPr lang="en-US" altLang="ko-KR" dirty="0">
+                <a:latin typeface="바탕" panose="02030600000101010101" pitchFamily="18" charset="-127"/>
+                <a:ea typeface="바탕" panose="02030600000101010101" pitchFamily="18" charset="-127"/>
+              </a:rPr>
+              <a:t>cd ~/</a:t>
+            </a:r>
+            <a:r>
+              <a:rPr lang="en-US" altLang="ko-KR" dirty="0" err="1">
+                <a:latin typeface="바탕" panose="02030600000101010101" pitchFamily="18" charset="-127"/>
+                <a:ea typeface="바탕" panose="02030600000101010101" pitchFamily="18" charset="-127"/>
+              </a:rPr>
+              <a:t>catkin_ws</a:t>
+            </a:r>
+            <a:r>
+              <a:rPr lang="ko-KR" altLang="en-US" dirty="0">
+                <a:latin typeface="바탕" panose="02030600000101010101" pitchFamily="18" charset="-127"/>
+                <a:ea typeface="바탕" panose="02030600000101010101" pitchFamily="18" charset="-127"/>
+              </a:rPr>
+              <a:t> 명령어로 인식함</a:t>
+            </a:r>
+            <a:r>
+              <a:rPr lang="en-US" altLang="ko-KR" dirty="0">
+                <a:latin typeface="바탕" panose="02030600000101010101" pitchFamily="18" charset="-127"/>
+                <a:ea typeface="바탕" panose="02030600000101010101" pitchFamily="18" charset="-127"/>
+              </a:rPr>
+              <a:t>.</a:t>
+            </a:r>
           </a:p>
         </p:txBody>
       </p:sp>
@@ -4477,6 +5440,335 @@
                 <a:ea typeface="바탕" panose="02030600000101010101" pitchFamily="18" charset="-127"/>
               </a:rPr>
               <a:t>$ clear</a:t>
+            </a:r>
+          </a:p>
+        </p:txBody>
+      </p:sp>
+      <p:sp>
+        <p:nvSpPr>
+          <p:cNvPr id="5" name="TextBox 4">
+            <a:extLst>
+              <a:ext uri="{FF2B5EF4-FFF2-40B4-BE49-F238E27FC236}">
+                <a16:creationId xmlns:a16="http://schemas.microsoft.com/office/drawing/2014/main" id="{B081ADA5-38F8-474B-BB3A-D80014E012B9}"/>
+              </a:ext>
+            </a:extLst>
+          </p:cNvPr>
+          <p:cNvSpPr txBox="1"/>
+          <p:nvPr/>
+        </p:nvSpPr>
+        <p:spPr>
+          <a:xfrm>
+            <a:off x="896783" y="3973687"/>
+            <a:ext cx="10921406" cy="646331"/>
+          </a:xfrm>
+          <a:prstGeom prst="rect">
+            <a:avLst/>
+          </a:prstGeom>
+          <a:noFill/>
+        </p:spPr>
+        <p:txBody>
+          <a:bodyPr wrap="square" rtlCol="0">
+            <a:spAutoFit/>
+          </a:bodyPr>
+          <a:lstStyle/>
+          <a:p>
+            <a:pPr marL="285750" indent="-285750">
+              <a:buFont typeface="Arial" panose="020B0604020202020204" pitchFamily="34" charset="0"/>
+              <a:buChar char="•"/>
+            </a:pPr>
+            <a:r>
+              <a:rPr lang="en-US" altLang="ko-KR" dirty="0">
+                <a:latin typeface="바탕" panose="02030600000101010101" pitchFamily="18" charset="-127"/>
+                <a:ea typeface="바탕" panose="02030600000101010101" pitchFamily="18" charset="-127"/>
+              </a:rPr>
+              <a:t>‘~/’</a:t>
+            </a:r>
+            <a:r>
+              <a:rPr lang="ko-KR" altLang="en-US" dirty="0">
+                <a:latin typeface="바탕" panose="02030600000101010101" pitchFamily="18" charset="-127"/>
+                <a:ea typeface="바탕" panose="02030600000101010101" pitchFamily="18" charset="-127"/>
+              </a:rPr>
+              <a:t>은 리눅스에서 </a:t>
+            </a:r>
+            <a:r>
+              <a:rPr lang="en-US" altLang="ko-KR" dirty="0">
+                <a:latin typeface="바탕" panose="02030600000101010101" pitchFamily="18" charset="-127"/>
+                <a:ea typeface="바탕" panose="02030600000101010101" pitchFamily="18" charset="-127"/>
+              </a:rPr>
+              <a:t>‘/home/</a:t>
+            </a:r>
+            <a:r>
+              <a:rPr lang="ko-KR" altLang="en-US" dirty="0">
+                <a:latin typeface="바탕" panose="02030600000101010101" pitchFamily="18" charset="-127"/>
+                <a:ea typeface="바탕" panose="02030600000101010101" pitchFamily="18" charset="-127"/>
+              </a:rPr>
+              <a:t>사용자이름</a:t>
+            </a:r>
+            <a:r>
+              <a:rPr lang="en-US" altLang="ko-KR" dirty="0">
+                <a:latin typeface="바탕" panose="02030600000101010101" pitchFamily="18" charset="-127"/>
+                <a:ea typeface="바탕" panose="02030600000101010101" pitchFamily="18" charset="-127"/>
+              </a:rPr>
+              <a:t>/’</a:t>
+            </a:r>
+            <a:r>
+              <a:rPr lang="ko-KR" altLang="en-US" dirty="0">
+                <a:latin typeface="바탕" panose="02030600000101010101" pitchFamily="18" charset="-127"/>
+                <a:ea typeface="바탕" panose="02030600000101010101" pitchFamily="18" charset="-127"/>
+              </a:rPr>
+              <a:t>에 해당하는 폴더를 의미함</a:t>
+            </a:r>
+            <a:endParaRPr lang="en-US" altLang="ko-KR" dirty="0">
+              <a:latin typeface="바탕" panose="02030600000101010101" pitchFamily="18" charset="-127"/>
+              <a:ea typeface="바탕" panose="02030600000101010101" pitchFamily="18" charset="-127"/>
+            </a:endParaRPr>
+          </a:p>
+          <a:p>
+            <a:pPr lvl="1"/>
+            <a:r>
+              <a:rPr lang="en-US" altLang="ko-KR" dirty="0">
+                <a:latin typeface="바탕" panose="02030600000101010101" pitchFamily="18" charset="-127"/>
+                <a:ea typeface="바탕" panose="02030600000101010101" pitchFamily="18" charset="-127"/>
+              </a:rPr>
+              <a:t>ex) ‘~/</a:t>
+            </a:r>
+            <a:r>
+              <a:rPr lang="en-US" altLang="ko-KR" dirty="0" err="1">
+                <a:latin typeface="바탕" panose="02030600000101010101" pitchFamily="18" charset="-127"/>
+                <a:ea typeface="바탕" panose="02030600000101010101" pitchFamily="18" charset="-127"/>
+              </a:rPr>
+              <a:t>catkin_ws</a:t>
+            </a:r>
+            <a:r>
+              <a:rPr lang="en-US" altLang="ko-KR" dirty="0">
+                <a:latin typeface="바탕" panose="02030600000101010101" pitchFamily="18" charset="-127"/>
+                <a:ea typeface="바탕" panose="02030600000101010101" pitchFamily="18" charset="-127"/>
+              </a:rPr>
+              <a:t>/’ == ‘/home/</a:t>
+            </a:r>
+            <a:r>
+              <a:rPr lang="ko-KR" altLang="en-US" dirty="0">
+                <a:latin typeface="바탕" panose="02030600000101010101" pitchFamily="18" charset="-127"/>
+                <a:ea typeface="바탕" panose="02030600000101010101" pitchFamily="18" charset="-127"/>
+              </a:rPr>
+              <a:t>사용자이름</a:t>
+            </a:r>
+            <a:r>
+              <a:rPr lang="en-US" altLang="ko-KR" dirty="0">
+                <a:latin typeface="바탕" panose="02030600000101010101" pitchFamily="18" charset="-127"/>
+                <a:ea typeface="바탕" panose="02030600000101010101" pitchFamily="18" charset="-127"/>
+              </a:rPr>
+              <a:t>/</a:t>
+            </a:r>
+            <a:r>
+              <a:rPr lang="en-US" altLang="ko-KR" dirty="0" err="1">
+                <a:latin typeface="바탕" panose="02030600000101010101" pitchFamily="18" charset="-127"/>
+                <a:ea typeface="바탕" panose="02030600000101010101" pitchFamily="18" charset="-127"/>
+              </a:rPr>
+              <a:t>catkin_ws</a:t>
+            </a:r>
+            <a:r>
+              <a:rPr lang="en-US" altLang="ko-KR" dirty="0">
+                <a:latin typeface="바탕" panose="02030600000101010101" pitchFamily="18" charset="-127"/>
+                <a:ea typeface="바탕" panose="02030600000101010101" pitchFamily="18" charset="-127"/>
+              </a:rPr>
+              <a:t>’</a:t>
+            </a:r>
+          </a:p>
+        </p:txBody>
+      </p:sp>
+      <p:sp>
+        <p:nvSpPr>
+          <p:cNvPr id="6" name="TextBox 5">
+            <a:extLst>
+              <a:ext uri="{FF2B5EF4-FFF2-40B4-BE49-F238E27FC236}">
+                <a16:creationId xmlns:a16="http://schemas.microsoft.com/office/drawing/2014/main" id="{6F088E0C-1C29-480D-A7DD-322A14A9634A}"/>
+              </a:ext>
+            </a:extLst>
+          </p:cNvPr>
+          <p:cNvSpPr txBox="1"/>
+          <p:nvPr/>
+        </p:nvSpPr>
+        <p:spPr>
+          <a:xfrm>
+            <a:off x="896783" y="4949044"/>
+            <a:ext cx="10921406" cy="1200329"/>
+          </a:xfrm>
+          <a:prstGeom prst="rect">
+            <a:avLst/>
+          </a:prstGeom>
+          <a:noFill/>
+        </p:spPr>
+        <p:txBody>
+          <a:bodyPr wrap="square" rtlCol="0">
+            <a:spAutoFit/>
+          </a:bodyPr>
+          <a:lstStyle/>
+          <a:p>
+            <a:pPr marL="285750" indent="-285750">
+              <a:buFont typeface="Arial" panose="020B0604020202020204" pitchFamily="34" charset="0"/>
+              <a:buChar char="•"/>
+            </a:pPr>
+            <a:r>
+              <a:rPr lang="ko-KR" altLang="en-US" dirty="0">
+                <a:latin typeface="바탕" panose="02030600000101010101" pitchFamily="18" charset="-127"/>
+                <a:ea typeface="바탕" panose="02030600000101010101" pitchFamily="18" charset="-127"/>
+              </a:rPr>
+              <a:t>한 개 노드 실행</a:t>
+            </a:r>
+            <a:endParaRPr lang="en-US" altLang="ko-KR" dirty="0">
+              <a:latin typeface="바탕" panose="02030600000101010101" pitchFamily="18" charset="-127"/>
+              <a:ea typeface="바탕" panose="02030600000101010101" pitchFamily="18" charset="-127"/>
+            </a:endParaRPr>
+          </a:p>
+          <a:p>
+            <a:pPr lvl="1"/>
+            <a:r>
+              <a:rPr lang="en-US" altLang="ko-KR" dirty="0">
+                <a:latin typeface="바탕" panose="02030600000101010101" pitchFamily="18" charset="-127"/>
+                <a:ea typeface="바탕" panose="02030600000101010101" pitchFamily="18" charset="-127"/>
+              </a:rPr>
+              <a:t>$ </a:t>
+            </a:r>
+            <a:r>
+              <a:rPr lang="en-US" altLang="ko-KR" dirty="0" err="1">
+                <a:latin typeface="바탕" panose="02030600000101010101" pitchFamily="18" charset="-127"/>
+                <a:ea typeface="바탕" panose="02030600000101010101" pitchFamily="18" charset="-127"/>
+              </a:rPr>
+              <a:t>rosrun</a:t>
+            </a:r>
+            <a:r>
+              <a:rPr lang="en-US" altLang="ko-KR" dirty="0">
+                <a:latin typeface="바탕" panose="02030600000101010101" pitchFamily="18" charset="-127"/>
+                <a:ea typeface="바탕" panose="02030600000101010101" pitchFamily="18" charset="-127"/>
+              </a:rPr>
+              <a:t> </a:t>
+            </a:r>
+            <a:r>
+              <a:rPr lang="ko-KR" altLang="en-US" dirty="0">
+                <a:latin typeface="바탕" panose="02030600000101010101" pitchFamily="18" charset="-127"/>
+                <a:ea typeface="바탕" panose="02030600000101010101" pitchFamily="18" charset="-127"/>
+              </a:rPr>
+              <a:t>패키지명 </a:t>
+            </a:r>
+            <a:r>
+              <a:rPr lang="ko-KR" altLang="en-US" dirty="0" err="1">
+                <a:latin typeface="바탕" panose="02030600000101010101" pitchFamily="18" charset="-127"/>
+                <a:ea typeface="바탕" panose="02030600000101010101" pitchFamily="18" charset="-127"/>
+              </a:rPr>
+              <a:t>노드명</a:t>
+            </a:r>
+            <a:endParaRPr lang="en-US" altLang="ko-KR" dirty="0">
+              <a:latin typeface="바탕" panose="02030600000101010101" pitchFamily="18" charset="-127"/>
+              <a:ea typeface="바탕" panose="02030600000101010101" pitchFamily="18" charset="-127"/>
+            </a:endParaRPr>
+          </a:p>
+          <a:p>
+            <a:pPr lvl="1"/>
+            <a:endParaRPr lang="en-US" altLang="ko-KR" dirty="0">
+              <a:latin typeface="바탕" panose="02030600000101010101" pitchFamily="18" charset="-127"/>
+              <a:ea typeface="바탕" panose="02030600000101010101" pitchFamily="18" charset="-127"/>
+            </a:endParaRPr>
+          </a:p>
+          <a:p>
+            <a:pPr lvl="1"/>
+            <a:r>
+              <a:rPr lang="en-US" altLang="ko-KR" dirty="0">
+                <a:latin typeface="바탕" panose="02030600000101010101" pitchFamily="18" charset="-127"/>
+                <a:ea typeface="바탕" panose="02030600000101010101" pitchFamily="18" charset="-127"/>
+              </a:rPr>
+              <a:t>ex) $ </a:t>
+            </a:r>
+            <a:r>
+              <a:rPr lang="en-US" altLang="ko-KR" dirty="0" err="1">
+                <a:latin typeface="바탕" panose="02030600000101010101" pitchFamily="18" charset="-127"/>
+                <a:ea typeface="바탕" panose="02030600000101010101" pitchFamily="18" charset="-127"/>
+              </a:rPr>
+              <a:t>rosrun</a:t>
+            </a:r>
+            <a:r>
+              <a:rPr lang="en-US" altLang="ko-KR" dirty="0">
+                <a:latin typeface="바탕" panose="02030600000101010101" pitchFamily="18" charset="-127"/>
+                <a:ea typeface="바탕" panose="02030600000101010101" pitchFamily="18" charset="-127"/>
+              </a:rPr>
+              <a:t> </a:t>
+            </a:r>
+            <a:r>
+              <a:rPr lang="en-US" altLang="ko-KR" dirty="0" err="1">
+                <a:latin typeface="바탕" panose="02030600000101010101" pitchFamily="18" charset="-127"/>
+                <a:ea typeface="바탕" panose="02030600000101010101" pitchFamily="18" charset="-127"/>
+              </a:rPr>
+              <a:t>turtlesim</a:t>
+            </a:r>
+            <a:r>
+              <a:rPr lang="en-US" altLang="ko-KR" dirty="0">
+                <a:latin typeface="바탕" panose="02030600000101010101" pitchFamily="18" charset="-127"/>
+                <a:ea typeface="바탕" panose="02030600000101010101" pitchFamily="18" charset="-127"/>
+              </a:rPr>
+              <a:t> </a:t>
+            </a:r>
+            <a:r>
+              <a:rPr lang="en-US" altLang="ko-KR" dirty="0" err="1">
+                <a:latin typeface="바탕" panose="02030600000101010101" pitchFamily="18" charset="-127"/>
+                <a:ea typeface="바탕" panose="02030600000101010101" pitchFamily="18" charset="-127"/>
+              </a:rPr>
+              <a:t>turtlesim_node</a:t>
+            </a:r>
+            <a:r>
+              <a:rPr lang="en-US" altLang="ko-KR" dirty="0">
+                <a:latin typeface="바탕" panose="02030600000101010101" pitchFamily="18" charset="-127"/>
+                <a:ea typeface="바탕" panose="02030600000101010101" pitchFamily="18" charset="-127"/>
+              </a:rPr>
+              <a:t> (</a:t>
+            </a:r>
+            <a:r>
+              <a:rPr lang="en-US" altLang="ko-KR" dirty="0" err="1">
+                <a:latin typeface="바탕" panose="02030600000101010101" pitchFamily="18" charset="-127"/>
+                <a:ea typeface="바탕" panose="02030600000101010101" pitchFamily="18" charset="-127"/>
+              </a:rPr>
+              <a:t>turtlesim</a:t>
+            </a:r>
+            <a:r>
+              <a:rPr lang="en-US" altLang="ko-KR" dirty="0">
+                <a:latin typeface="바탕" panose="02030600000101010101" pitchFamily="18" charset="-127"/>
+                <a:ea typeface="바탕" panose="02030600000101010101" pitchFamily="18" charset="-127"/>
+              </a:rPr>
+              <a:t> </a:t>
+            </a:r>
+            <a:r>
+              <a:rPr lang="ko-KR" altLang="en-US" dirty="0">
+                <a:latin typeface="바탕" panose="02030600000101010101" pitchFamily="18" charset="-127"/>
+                <a:ea typeface="바탕" panose="02030600000101010101" pitchFamily="18" charset="-127"/>
+              </a:rPr>
+              <a:t>패키지의 </a:t>
+            </a:r>
+            <a:r>
+              <a:rPr lang="en-US" altLang="ko-KR" dirty="0" err="1">
+                <a:latin typeface="바탕" panose="02030600000101010101" pitchFamily="18" charset="-127"/>
+                <a:ea typeface="바탕" panose="02030600000101010101" pitchFamily="18" charset="-127"/>
+              </a:rPr>
+              <a:t>turtlesim_node</a:t>
+            </a:r>
+            <a:r>
+              <a:rPr lang="en-US" altLang="ko-KR" dirty="0">
+                <a:latin typeface="바탕" panose="02030600000101010101" pitchFamily="18" charset="-127"/>
+                <a:ea typeface="바탕" panose="02030600000101010101" pitchFamily="18" charset="-127"/>
+              </a:rPr>
+              <a:t> </a:t>
+            </a:r>
+            <a:r>
+              <a:rPr lang="ko-KR" altLang="en-US" dirty="0">
+                <a:latin typeface="바탕" panose="02030600000101010101" pitchFamily="18" charset="-127"/>
+                <a:ea typeface="바탕" panose="02030600000101010101" pitchFamily="18" charset="-127"/>
+              </a:rPr>
+              <a:t>노드 실행</a:t>
+            </a:r>
+            <a:r>
+              <a:rPr lang="en-US" altLang="ko-KR" dirty="0">
+                <a:latin typeface="바탕" panose="02030600000101010101" pitchFamily="18" charset="-127"/>
+                <a:ea typeface="바탕" panose="02030600000101010101" pitchFamily="18" charset="-127"/>
+              </a:rPr>
+              <a:t>)</a:t>
             </a:r>
           </a:p>
         </p:txBody>
@@ -4496,6 +5788,1027 @@
 </file>
 
 <file path=ppt/slides/slide4.xml><?xml version="1.0" encoding="utf-8"?>
+<p:sld xmlns:a="http://schemas.openxmlformats.org/drawingml/2006/main" xmlns:r="http://schemas.openxmlformats.org/officeDocument/2006/relationships" xmlns:p="http://schemas.openxmlformats.org/presentationml/2006/main">
+  <p:cSld>
+    <p:spTree>
+      <p:nvGrpSpPr>
+        <p:cNvPr id="1" name=""/>
+        <p:cNvGrpSpPr/>
+        <p:nvPr/>
+      </p:nvGrpSpPr>
+      <p:grpSpPr>
+        <a:xfrm>
+          <a:off x="0" y="0"/>
+          <a:ext cx="0" cy="0"/>
+          <a:chOff x="0" y="0"/>
+          <a:chExt cx="0" cy="0"/>
+        </a:xfrm>
+      </p:grpSpPr>
+      <p:sp>
+        <p:nvSpPr>
+          <p:cNvPr id="6" name="TextBox 5">
+            <a:extLst>
+              <a:ext uri="{FF2B5EF4-FFF2-40B4-BE49-F238E27FC236}">
+                <a16:creationId xmlns:a16="http://schemas.microsoft.com/office/drawing/2014/main" id="{6F088E0C-1C29-480D-A7DD-322A14A9634A}"/>
+              </a:ext>
+            </a:extLst>
+          </p:cNvPr>
+          <p:cNvSpPr txBox="1"/>
+          <p:nvPr/>
+        </p:nvSpPr>
+        <p:spPr>
+          <a:xfrm>
+            <a:off x="750134" y="601331"/>
+            <a:ext cx="10921406" cy="1477328"/>
+          </a:xfrm>
+          <a:prstGeom prst="rect">
+            <a:avLst/>
+          </a:prstGeom>
+          <a:noFill/>
+        </p:spPr>
+        <p:txBody>
+          <a:bodyPr wrap="square" rtlCol="0">
+            <a:spAutoFit/>
+          </a:bodyPr>
+          <a:lstStyle/>
+          <a:p>
+            <a:pPr marL="285750" indent="-285750">
+              <a:buFont typeface="Arial" panose="020B0604020202020204" pitchFamily="34" charset="0"/>
+              <a:buChar char="•"/>
+            </a:pPr>
+            <a:r>
+              <a:rPr lang="ko-KR" altLang="en-US" dirty="0">
+                <a:latin typeface="바탕" panose="02030600000101010101" pitchFamily="18" charset="-127"/>
+                <a:ea typeface="바탕" panose="02030600000101010101" pitchFamily="18" charset="-127"/>
+              </a:rPr>
+              <a:t>여러 개 노드 실행</a:t>
+            </a:r>
+            <a:endParaRPr lang="en-US" altLang="ko-KR" dirty="0">
+              <a:latin typeface="바탕" panose="02030600000101010101" pitchFamily="18" charset="-127"/>
+              <a:ea typeface="바탕" panose="02030600000101010101" pitchFamily="18" charset="-127"/>
+            </a:endParaRPr>
+          </a:p>
+          <a:p>
+            <a:pPr lvl="1"/>
+            <a:r>
+              <a:rPr lang="en-US" altLang="ko-KR" dirty="0">
+                <a:latin typeface="바탕" panose="02030600000101010101" pitchFamily="18" charset="-127"/>
+                <a:ea typeface="바탕" panose="02030600000101010101" pitchFamily="18" charset="-127"/>
+              </a:rPr>
+              <a:t>$ </a:t>
+            </a:r>
+            <a:r>
+              <a:rPr lang="en-US" altLang="ko-KR" dirty="0" err="1">
+                <a:latin typeface="바탕" panose="02030600000101010101" pitchFamily="18" charset="-127"/>
+                <a:ea typeface="바탕" panose="02030600000101010101" pitchFamily="18" charset="-127"/>
+              </a:rPr>
+              <a:t>roslaunch</a:t>
+            </a:r>
+            <a:r>
+              <a:rPr lang="en-US" altLang="ko-KR" dirty="0">
+                <a:latin typeface="바탕" panose="02030600000101010101" pitchFamily="18" charset="-127"/>
+                <a:ea typeface="바탕" panose="02030600000101010101" pitchFamily="18" charset="-127"/>
+              </a:rPr>
+              <a:t> </a:t>
+            </a:r>
+            <a:r>
+              <a:rPr lang="ko-KR" altLang="en-US" dirty="0">
+                <a:latin typeface="바탕" panose="02030600000101010101" pitchFamily="18" charset="-127"/>
+                <a:ea typeface="바탕" panose="02030600000101010101" pitchFamily="18" charset="-127"/>
+              </a:rPr>
+              <a:t>패키지명 </a:t>
+            </a:r>
+            <a:r>
+              <a:rPr lang="ko-KR" altLang="en-US" dirty="0" err="1">
+                <a:latin typeface="바탕" panose="02030600000101010101" pitchFamily="18" charset="-127"/>
+                <a:ea typeface="바탕" panose="02030600000101010101" pitchFamily="18" charset="-127"/>
+              </a:rPr>
+              <a:t>노드명</a:t>
+            </a:r>
+            <a:r>
+              <a:rPr lang="ko-KR" altLang="en-US" dirty="0">
+                <a:latin typeface="바탕" panose="02030600000101010101" pitchFamily="18" charset="-127"/>
+                <a:ea typeface="바탕" panose="02030600000101010101" pitchFamily="18" charset="-127"/>
+              </a:rPr>
+              <a:t> </a:t>
+            </a:r>
+            <a:r>
+              <a:rPr lang="en-US" altLang="ko-KR" dirty="0">
+                <a:latin typeface="바탕" panose="02030600000101010101" pitchFamily="18" charset="-127"/>
+                <a:ea typeface="바탕" panose="02030600000101010101" pitchFamily="18" charset="-127"/>
+              </a:rPr>
+              <a:t>(*.launch</a:t>
+            </a:r>
+            <a:r>
+              <a:rPr lang="ko-KR" altLang="en-US" dirty="0">
+                <a:latin typeface="바탕" panose="02030600000101010101" pitchFamily="18" charset="-127"/>
+                <a:ea typeface="바탕" panose="02030600000101010101" pitchFamily="18" charset="-127"/>
+              </a:rPr>
+              <a:t> 파일을 사용하여 실행함</a:t>
+            </a:r>
+            <a:r>
+              <a:rPr lang="en-US" altLang="ko-KR" dirty="0">
+                <a:latin typeface="바탕" panose="02030600000101010101" pitchFamily="18" charset="-127"/>
+                <a:ea typeface="바탕" panose="02030600000101010101" pitchFamily="18" charset="-127"/>
+              </a:rPr>
+              <a:t>)</a:t>
+            </a:r>
+          </a:p>
+          <a:p>
+            <a:pPr lvl="1"/>
+            <a:endParaRPr lang="en-US" altLang="ko-KR" dirty="0">
+              <a:latin typeface="바탕" panose="02030600000101010101" pitchFamily="18" charset="-127"/>
+              <a:ea typeface="바탕" panose="02030600000101010101" pitchFamily="18" charset="-127"/>
+            </a:endParaRPr>
+          </a:p>
+          <a:p>
+            <a:pPr lvl="1"/>
+            <a:r>
+              <a:rPr lang="en-US" altLang="ko-KR" dirty="0">
+                <a:latin typeface="바탕" panose="02030600000101010101" pitchFamily="18" charset="-127"/>
+                <a:ea typeface="바탕" panose="02030600000101010101" pitchFamily="18" charset="-127"/>
+              </a:rPr>
+              <a:t>ex) $ </a:t>
+            </a:r>
+            <a:r>
+              <a:rPr lang="en-US" altLang="ko-KR" sz="1800" dirty="0" err="1">
+                <a:latin typeface="바탕" panose="02030600000101010101" pitchFamily="18" charset="-127"/>
+                <a:ea typeface="바탕" panose="02030600000101010101" pitchFamily="18" charset="-127"/>
+                <a:cs typeface="함초롬돋움" panose="020B0604000101010101" pitchFamily="50" charset="-127"/>
+              </a:rPr>
+              <a:t>roslaunch</a:t>
+            </a:r>
+            <a:r>
+              <a:rPr lang="en-US" altLang="ko-KR" sz="1800" dirty="0">
+                <a:latin typeface="바탕" panose="02030600000101010101" pitchFamily="18" charset="-127"/>
+                <a:ea typeface="바탕" panose="02030600000101010101" pitchFamily="18" charset="-127"/>
+                <a:cs typeface="함초롬돋움" panose="020B0604000101010101" pitchFamily="50" charset="-127"/>
+              </a:rPr>
+              <a:t> turtlebot3_teleop turtlebot3_teleop_key.launch</a:t>
+            </a:r>
+            <a:r>
+              <a:rPr lang="en-US" altLang="ko-KR" dirty="0">
+                <a:latin typeface="바탕" panose="02030600000101010101" pitchFamily="18" charset="-127"/>
+                <a:ea typeface="바탕" panose="02030600000101010101" pitchFamily="18" charset="-127"/>
+              </a:rPr>
+              <a:t> </a:t>
+            </a:r>
+          </a:p>
+          <a:p>
+            <a:pPr lvl="2"/>
+            <a:r>
+              <a:rPr lang="en-US" altLang="ko-KR" dirty="0">
+                <a:latin typeface="바탕" panose="02030600000101010101" pitchFamily="18" charset="-127"/>
+                <a:ea typeface="바탕" panose="02030600000101010101" pitchFamily="18" charset="-127"/>
+              </a:rPr>
+              <a:t>(turtlebot3_teleop </a:t>
+            </a:r>
+            <a:r>
+              <a:rPr lang="ko-KR" altLang="en-US" dirty="0">
+                <a:latin typeface="바탕" panose="02030600000101010101" pitchFamily="18" charset="-127"/>
+                <a:ea typeface="바탕" panose="02030600000101010101" pitchFamily="18" charset="-127"/>
+              </a:rPr>
+              <a:t>패키지의 </a:t>
+            </a:r>
+            <a:r>
+              <a:rPr lang="en-US" altLang="ko-KR" dirty="0">
+                <a:latin typeface="바탕" panose="02030600000101010101" pitchFamily="18" charset="-127"/>
+                <a:ea typeface="바탕" panose="02030600000101010101" pitchFamily="18" charset="-127"/>
+              </a:rPr>
+              <a:t>turtlebot3_teleop_key </a:t>
+            </a:r>
+            <a:r>
+              <a:rPr lang="ko-KR" altLang="en-US" dirty="0">
+                <a:latin typeface="바탕" panose="02030600000101010101" pitchFamily="18" charset="-127"/>
+                <a:ea typeface="바탕" panose="02030600000101010101" pitchFamily="18" charset="-127"/>
+              </a:rPr>
+              <a:t>노드 실행</a:t>
+            </a:r>
+            <a:r>
+              <a:rPr lang="en-US" altLang="ko-KR" dirty="0">
+                <a:latin typeface="바탕" panose="02030600000101010101" pitchFamily="18" charset="-127"/>
+                <a:ea typeface="바탕" panose="02030600000101010101" pitchFamily="18" charset="-127"/>
+              </a:rPr>
+              <a:t>)</a:t>
+            </a:r>
+          </a:p>
+        </p:txBody>
+      </p:sp>
+      <p:sp>
+        <p:nvSpPr>
+          <p:cNvPr id="9" name="TextBox 8">
+            <a:extLst>
+              <a:ext uri="{FF2B5EF4-FFF2-40B4-BE49-F238E27FC236}">
+                <a16:creationId xmlns:a16="http://schemas.microsoft.com/office/drawing/2014/main" id="{9506EFB4-EC1D-4983-983D-E11010A4CD4C}"/>
+              </a:ext>
+            </a:extLst>
+          </p:cNvPr>
+          <p:cNvSpPr txBox="1"/>
+          <p:nvPr/>
+        </p:nvSpPr>
+        <p:spPr>
+          <a:xfrm>
+            <a:off x="750134" y="2359479"/>
+            <a:ext cx="10921406" cy="4801314"/>
+          </a:xfrm>
+          <a:prstGeom prst="rect">
+            <a:avLst/>
+          </a:prstGeom>
+          <a:noFill/>
+        </p:spPr>
+        <p:txBody>
+          <a:bodyPr wrap="square" rtlCol="0">
+            <a:spAutoFit/>
+          </a:bodyPr>
+          <a:lstStyle/>
+          <a:p>
+            <a:pPr marL="285750" indent="-285750">
+              <a:buFont typeface="Arial" panose="020B0604020202020204" pitchFamily="34" charset="0"/>
+              <a:buChar char="•"/>
+            </a:pPr>
+            <a:r>
+              <a:rPr lang="ko-KR" altLang="en-US" dirty="0">
+                <a:latin typeface="바탕" panose="02030600000101010101" pitchFamily="18" charset="-127"/>
+                <a:ea typeface="바탕" panose="02030600000101010101" pitchFamily="18" charset="-127"/>
+              </a:rPr>
+              <a:t>패키지 생성</a:t>
+            </a:r>
+            <a:endParaRPr lang="en-US" altLang="ko-KR" dirty="0">
+              <a:latin typeface="바탕" panose="02030600000101010101" pitchFamily="18" charset="-127"/>
+              <a:ea typeface="바탕" panose="02030600000101010101" pitchFamily="18" charset="-127"/>
+            </a:endParaRPr>
+          </a:p>
+          <a:p>
+            <a:pPr lvl="1"/>
+            <a:r>
+              <a:rPr lang="en-US" altLang="ko-KR" dirty="0">
+                <a:latin typeface="바탕" panose="02030600000101010101" pitchFamily="18" charset="-127"/>
+                <a:ea typeface="바탕" panose="02030600000101010101" pitchFamily="18" charset="-127"/>
+              </a:rPr>
+              <a:t>$ </a:t>
+            </a:r>
+            <a:r>
+              <a:rPr lang="en-US" altLang="ko-KR" dirty="0" err="1">
+                <a:latin typeface="바탕" panose="02030600000101010101" pitchFamily="18" charset="-127"/>
+                <a:ea typeface="바탕" panose="02030600000101010101" pitchFamily="18" charset="-127"/>
+              </a:rPr>
+              <a:t>catkin_create_pkg</a:t>
+            </a:r>
+            <a:r>
+              <a:rPr lang="en-US" altLang="ko-KR" dirty="0">
+                <a:latin typeface="바탕" panose="02030600000101010101" pitchFamily="18" charset="-127"/>
+                <a:ea typeface="바탕" panose="02030600000101010101" pitchFamily="18" charset="-127"/>
+              </a:rPr>
+              <a:t> </a:t>
+            </a:r>
+            <a:r>
+              <a:rPr lang="ko-KR" altLang="en-US" dirty="0">
+                <a:latin typeface="바탕" panose="02030600000101010101" pitchFamily="18" charset="-127"/>
+                <a:ea typeface="바탕" panose="02030600000101010101" pitchFamily="18" charset="-127"/>
+              </a:rPr>
+              <a:t>패키지이름 </a:t>
+            </a:r>
+            <a:r>
+              <a:rPr lang="ko-KR" altLang="en-US" dirty="0" err="1">
+                <a:latin typeface="바탕" panose="02030600000101010101" pitchFamily="18" charset="-127"/>
+                <a:ea typeface="바탕" panose="02030600000101010101" pitchFamily="18" charset="-127"/>
+              </a:rPr>
+              <a:t>의존하는패키지</a:t>
+            </a:r>
+            <a:r>
+              <a:rPr lang="en-US" altLang="ko-KR" dirty="0">
+                <a:latin typeface="바탕" panose="02030600000101010101" pitchFamily="18" charset="-127"/>
+                <a:ea typeface="바탕" panose="02030600000101010101" pitchFamily="18" charset="-127"/>
+              </a:rPr>
+              <a:t>1 </a:t>
+            </a:r>
+            <a:r>
+              <a:rPr lang="ko-KR" altLang="en-US" dirty="0" err="1">
+                <a:latin typeface="바탕" panose="02030600000101010101" pitchFamily="18" charset="-127"/>
+                <a:ea typeface="바탕" panose="02030600000101010101" pitchFamily="18" charset="-127"/>
+              </a:rPr>
+              <a:t>의존하는패키지</a:t>
+            </a:r>
+            <a:r>
+              <a:rPr lang="en-US" altLang="ko-KR" dirty="0">
+                <a:latin typeface="바탕" panose="02030600000101010101" pitchFamily="18" charset="-127"/>
+                <a:ea typeface="바탕" panose="02030600000101010101" pitchFamily="18" charset="-127"/>
+              </a:rPr>
+              <a:t>n</a:t>
+            </a:r>
+          </a:p>
+          <a:p>
+            <a:pPr lvl="1"/>
+            <a:endParaRPr lang="en-US" altLang="ko-KR" dirty="0">
+              <a:latin typeface="바탕" panose="02030600000101010101" pitchFamily="18" charset="-127"/>
+              <a:ea typeface="바탕" panose="02030600000101010101" pitchFamily="18" charset="-127"/>
+            </a:endParaRPr>
+          </a:p>
+          <a:p>
+            <a:pPr lvl="1"/>
+            <a:r>
+              <a:rPr lang="en-US" altLang="ko-KR" dirty="0">
+                <a:latin typeface="바탕" panose="02030600000101010101" pitchFamily="18" charset="-127"/>
+                <a:ea typeface="바탕" panose="02030600000101010101" pitchFamily="18" charset="-127"/>
+              </a:rPr>
+              <a:t>ex) </a:t>
+            </a:r>
+            <a:r>
+              <a:rPr lang="ko-KR" altLang="en-US" dirty="0">
+                <a:latin typeface="바탕" panose="02030600000101010101" pitchFamily="18" charset="-127"/>
+                <a:ea typeface="바탕" panose="02030600000101010101" pitchFamily="18" charset="-127"/>
+              </a:rPr>
+              <a:t>생성할 패키지 이름이 </a:t>
+            </a:r>
+            <a:r>
+              <a:rPr lang="en-US" altLang="ko-KR" dirty="0">
+                <a:latin typeface="바탕" panose="02030600000101010101" pitchFamily="18" charset="-127"/>
+                <a:ea typeface="바탕" panose="02030600000101010101" pitchFamily="18" charset="-127"/>
+              </a:rPr>
+              <a:t>‘</a:t>
+            </a:r>
+            <a:r>
+              <a:rPr lang="en-US" altLang="ko-KR" dirty="0" err="1">
+                <a:latin typeface="바탕" panose="02030600000101010101" pitchFamily="18" charset="-127"/>
+                <a:ea typeface="바탕" panose="02030600000101010101" pitchFamily="18" charset="-127"/>
+              </a:rPr>
+              <a:t>pack_test</a:t>
+            </a:r>
+            <a:r>
+              <a:rPr lang="en-US" altLang="ko-KR" dirty="0">
+                <a:latin typeface="바탕" panose="02030600000101010101" pitchFamily="18" charset="-127"/>
+                <a:ea typeface="바탕" panose="02030600000101010101" pitchFamily="18" charset="-127"/>
+              </a:rPr>
+              <a:t>’</a:t>
+            </a:r>
+            <a:r>
+              <a:rPr lang="ko-KR" altLang="en-US" dirty="0">
+                <a:latin typeface="바탕" panose="02030600000101010101" pitchFamily="18" charset="-127"/>
+                <a:ea typeface="바탕" panose="02030600000101010101" pitchFamily="18" charset="-127"/>
+              </a:rPr>
+              <a:t>이고</a:t>
+            </a:r>
+            <a:r>
+              <a:rPr lang="en-US" altLang="ko-KR" dirty="0">
+                <a:latin typeface="바탕" panose="02030600000101010101" pitchFamily="18" charset="-127"/>
+                <a:ea typeface="바탕" panose="02030600000101010101" pitchFamily="18" charset="-127"/>
+              </a:rPr>
+              <a:t>, </a:t>
+            </a:r>
+            <a:r>
+              <a:rPr lang="ko-KR" altLang="en-US" dirty="0">
+                <a:latin typeface="바탕" panose="02030600000101010101" pitchFamily="18" charset="-127"/>
+                <a:ea typeface="바탕" panose="02030600000101010101" pitchFamily="18" charset="-127"/>
+              </a:rPr>
+              <a:t>의존하는 패키지가 </a:t>
+            </a:r>
+            <a:r>
+              <a:rPr lang="en-US" altLang="ko-KR" dirty="0">
+                <a:latin typeface="바탕" panose="02030600000101010101" pitchFamily="18" charset="-127"/>
+                <a:ea typeface="바탕" panose="02030600000101010101" pitchFamily="18" charset="-127"/>
+              </a:rPr>
+              <a:t>‘</a:t>
+            </a:r>
+            <a:r>
+              <a:rPr lang="en-US" altLang="ko-KR" dirty="0" err="1">
+                <a:latin typeface="바탕" panose="02030600000101010101" pitchFamily="18" charset="-127"/>
+                <a:ea typeface="바탕" panose="02030600000101010101" pitchFamily="18" charset="-127"/>
+              </a:rPr>
+              <a:t>std_msgs</a:t>
+            </a:r>
+            <a:r>
+              <a:rPr lang="en-US" altLang="ko-KR" dirty="0">
+                <a:latin typeface="바탕" panose="02030600000101010101" pitchFamily="18" charset="-127"/>
+                <a:ea typeface="바탕" panose="02030600000101010101" pitchFamily="18" charset="-127"/>
+              </a:rPr>
+              <a:t>’</a:t>
+            </a:r>
+            <a:r>
+              <a:rPr lang="ko-KR" altLang="en-US" dirty="0">
+                <a:latin typeface="바탕" panose="02030600000101010101" pitchFamily="18" charset="-127"/>
+                <a:ea typeface="바탕" panose="02030600000101010101" pitchFamily="18" charset="-127"/>
+              </a:rPr>
+              <a:t>와 </a:t>
+            </a:r>
+            <a:r>
+              <a:rPr lang="en-US" altLang="ko-KR" dirty="0">
+                <a:latin typeface="바탕" panose="02030600000101010101" pitchFamily="18" charset="-127"/>
+                <a:ea typeface="바탕" panose="02030600000101010101" pitchFamily="18" charset="-127"/>
+              </a:rPr>
+              <a:t>‘</a:t>
+            </a:r>
+            <a:r>
+              <a:rPr lang="en-US" altLang="ko-KR" dirty="0" err="1">
+                <a:latin typeface="바탕" panose="02030600000101010101" pitchFamily="18" charset="-127"/>
+                <a:ea typeface="바탕" panose="02030600000101010101" pitchFamily="18" charset="-127"/>
+              </a:rPr>
+              <a:t>roscpp</a:t>
+            </a:r>
+            <a:r>
+              <a:rPr lang="en-US" altLang="ko-KR" dirty="0">
+                <a:latin typeface="바탕" panose="02030600000101010101" pitchFamily="18" charset="-127"/>
+                <a:ea typeface="바탕" panose="02030600000101010101" pitchFamily="18" charset="-127"/>
+              </a:rPr>
+              <a:t>’</a:t>
+            </a:r>
+            <a:r>
+              <a:rPr lang="ko-KR" altLang="en-US" dirty="0">
+                <a:latin typeface="바탕" panose="02030600000101010101" pitchFamily="18" charset="-127"/>
+                <a:ea typeface="바탕" panose="02030600000101010101" pitchFamily="18" charset="-127"/>
+              </a:rPr>
+              <a:t>인 경우</a:t>
+            </a:r>
+            <a:endParaRPr lang="en-US" altLang="ko-KR" dirty="0">
+              <a:latin typeface="바탕" panose="02030600000101010101" pitchFamily="18" charset="-127"/>
+              <a:ea typeface="바탕" panose="02030600000101010101" pitchFamily="18" charset="-127"/>
+            </a:endParaRPr>
+          </a:p>
+          <a:p>
+            <a:pPr lvl="1"/>
+            <a:r>
+              <a:rPr lang="en-US" altLang="ko-KR" dirty="0">
+                <a:latin typeface="바탕" panose="02030600000101010101" pitchFamily="18" charset="-127"/>
+                <a:ea typeface="바탕" panose="02030600000101010101" pitchFamily="18" charset="-127"/>
+              </a:rPr>
+              <a:t>$ </a:t>
+            </a:r>
+            <a:r>
+              <a:rPr lang="en-US" altLang="ko-KR" dirty="0" err="1">
+                <a:latin typeface="바탕" panose="02030600000101010101" pitchFamily="18" charset="-127"/>
+                <a:ea typeface="바탕" panose="02030600000101010101" pitchFamily="18" charset="-127"/>
+              </a:rPr>
+              <a:t>catkin_create_pkg</a:t>
+            </a:r>
+            <a:r>
+              <a:rPr lang="en-US" altLang="ko-KR" dirty="0">
+                <a:latin typeface="바탕" panose="02030600000101010101" pitchFamily="18" charset="-127"/>
+                <a:ea typeface="바탕" panose="02030600000101010101" pitchFamily="18" charset="-127"/>
+              </a:rPr>
+              <a:t> </a:t>
+            </a:r>
+            <a:r>
+              <a:rPr lang="en-US" altLang="ko-KR" dirty="0" err="1">
+                <a:latin typeface="바탕" panose="02030600000101010101" pitchFamily="18" charset="-127"/>
+                <a:ea typeface="바탕" panose="02030600000101010101" pitchFamily="18" charset="-127"/>
+              </a:rPr>
+              <a:t>pack_test</a:t>
+            </a:r>
+            <a:r>
+              <a:rPr lang="en-US" altLang="ko-KR" dirty="0">
+                <a:latin typeface="바탕" panose="02030600000101010101" pitchFamily="18" charset="-127"/>
+                <a:ea typeface="바탕" panose="02030600000101010101" pitchFamily="18" charset="-127"/>
+              </a:rPr>
+              <a:t> </a:t>
+            </a:r>
+            <a:r>
+              <a:rPr lang="en-US" altLang="ko-KR" dirty="0" err="1">
+                <a:latin typeface="바탕" panose="02030600000101010101" pitchFamily="18" charset="-127"/>
+                <a:ea typeface="바탕" panose="02030600000101010101" pitchFamily="18" charset="-127"/>
+              </a:rPr>
+              <a:t>std_msgs</a:t>
+            </a:r>
+            <a:r>
+              <a:rPr lang="en-US" altLang="ko-KR" dirty="0">
+                <a:latin typeface="바탕" panose="02030600000101010101" pitchFamily="18" charset="-127"/>
+                <a:ea typeface="바탕" panose="02030600000101010101" pitchFamily="18" charset="-127"/>
+              </a:rPr>
+              <a:t> </a:t>
+            </a:r>
+            <a:r>
+              <a:rPr lang="en-US" altLang="ko-KR" dirty="0" err="1">
+                <a:latin typeface="바탕" panose="02030600000101010101" pitchFamily="18" charset="-127"/>
+                <a:ea typeface="바탕" panose="02030600000101010101" pitchFamily="18" charset="-127"/>
+              </a:rPr>
+              <a:t>roscpp</a:t>
+            </a:r>
+            <a:endParaRPr lang="en-US" altLang="ko-KR" dirty="0">
+              <a:latin typeface="바탕" panose="02030600000101010101" pitchFamily="18" charset="-127"/>
+              <a:ea typeface="바탕" panose="02030600000101010101" pitchFamily="18" charset="-127"/>
+            </a:endParaRPr>
+          </a:p>
+          <a:p>
+            <a:pPr lvl="1"/>
+            <a:endParaRPr lang="en-US" altLang="ko-KR" dirty="0">
+              <a:latin typeface="바탕" panose="02030600000101010101" pitchFamily="18" charset="-127"/>
+              <a:ea typeface="바탕" panose="02030600000101010101" pitchFamily="18" charset="-127"/>
+            </a:endParaRPr>
+          </a:p>
+          <a:p>
+            <a:pPr lvl="1"/>
+            <a:r>
+              <a:rPr lang="en-US" altLang="ko-KR" dirty="0">
+                <a:latin typeface="바탕" panose="02030600000101010101" pitchFamily="18" charset="-127"/>
+                <a:ea typeface="바탕" panose="02030600000101010101" pitchFamily="18" charset="-127"/>
+              </a:rPr>
+              <a:t>=&gt; ROS</a:t>
+            </a:r>
+            <a:r>
+              <a:rPr lang="ko-KR" altLang="en-US" dirty="0">
+                <a:latin typeface="바탕" panose="02030600000101010101" pitchFamily="18" charset="-127"/>
+                <a:ea typeface="바탕" panose="02030600000101010101" pitchFamily="18" charset="-127"/>
+              </a:rPr>
+              <a:t>의 표준 메시지 패키지인 </a:t>
+            </a:r>
+            <a:r>
+              <a:rPr lang="en-US" altLang="ko-KR" dirty="0" err="1">
+                <a:latin typeface="바탕" panose="02030600000101010101" pitchFamily="18" charset="-127"/>
+                <a:ea typeface="바탕" panose="02030600000101010101" pitchFamily="18" charset="-127"/>
+              </a:rPr>
+              <a:t>std_msgs</a:t>
+            </a:r>
+            <a:r>
+              <a:rPr lang="ko-KR" altLang="en-US" dirty="0">
+                <a:latin typeface="바탕" panose="02030600000101010101" pitchFamily="18" charset="-127"/>
+                <a:ea typeface="바탕" panose="02030600000101010101" pitchFamily="18" charset="-127"/>
+              </a:rPr>
+              <a:t>와 </a:t>
+            </a:r>
+            <a:r>
+              <a:rPr lang="en-US" altLang="ko-KR" dirty="0">
+                <a:latin typeface="바탕" panose="02030600000101010101" pitchFamily="18" charset="-127"/>
+                <a:ea typeface="바탕" panose="02030600000101010101" pitchFamily="18" charset="-127"/>
+              </a:rPr>
+              <a:t>ROS</a:t>
+            </a:r>
+            <a:r>
+              <a:rPr lang="ko-KR" altLang="en-US" dirty="0">
+                <a:latin typeface="바탕" panose="02030600000101010101" pitchFamily="18" charset="-127"/>
+                <a:ea typeface="바탕" panose="02030600000101010101" pitchFamily="18" charset="-127"/>
+              </a:rPr>
+              <a:t>에서 </a:t>
+            </a:r>
+            <a:r>
+              <a:rPr lang="en-US" altLang="ko-KR" dirty="0">
+                <a:latin typeface="바탕" panose="02030600000101010101" pitchFamily="18" charset="-127"/>
+                <a:ea typeface="바탕" panose="02030600000101010101" pitchFamily="18" charset="-127"/>
+              </a:rPr>
+              <a:t>C/C++</a:t>
+            </a:r>
+            <a:r>
+              <a:rPr lang="ko-KR" altLang="en-US" dirty="0">
+                <a:latin typeface="바탕" panose="02030600000101010101" pitchFamily="18" charset="-127"/>
+                <a:ea typeface="바탕" panose="02030600000101010101" pitchFamily="18" charset="-127"/>
+              </a:rPr>
+              <a:t>를 사용하기 위하여 클라이언트 라이브러리인 </a:t>
+            </a:r>
+            <a:r>
+              <a:rPr lang="en-US" altLang="ko-KR" dirty="0" err="1">
+                <a:latin typeface="바탕" panose="02030600000101010101" pitchFamily="18" charset="-127"/>
+                <a:ea typeface="바탕" panose="02030600000101010101" pitchFamily="18" charset="-127"/>
+              </a:rPr>
+              <a:t>roscpp</a:t>
+            </a:r>
+            <a:r>
+              <a:rPr lang="ko-KR" altLang="en-US" dirty="0">
+                <a:latin typeface="바탕" panose="02030600000101010101" pitchFamily="18" charset="-127"/>
+                <a:ea typeface="바탕" panose="02030600000101010101" pitchFamily="18" charset="-127"/>
+              </a:rPr>
+              <a:t>를 사용하겠다는 것으로</a:t>
+            </a:r>
+            <a:r>
+              <a:rPr lang="en-US" altLang="ko-KR" dirty="0">
+                <a:latin typeface="바탕" panose="02030600000101010101" pitchFamily="18" charset="-127"/>
+                <a:ea typeface="바탕" panose="02030600000101010101" pitchFamily="18" charset="-127"/>
+              </a:rPr>
+              <a:t>, </a:t>
+            </a:r>
+            <a:r>
+              <a:rPr lang="ko-KR" altLang="en-US" dirty="0">
+                <a:latin typeface="바탕" panose="02030600000101010101" pitchFamily="18" charset="-127"/>
+                <a:ea typeface="바탕" panose="02030600000101010101" pitchFamily="18" charset="-127"/>
+              </a:rPr>
+              <a:t>패키지 생성에 앞서 미리 설치해야 한다는 의미</a:t>
+            </a:r>
+            <a:r>
+              <a:rPr lang="en-US" altLang="ko-KR" dirty="0">
+                <a:latin typeface="바탕" panose="02030600000101010101" pitchFamily="18" charset="-127"/>
+                <a:ea typeface="바탕" panose="02030600000101010101" pitchFamily="18" charset="-127"/>
+              </a:rPr>
+              <a:t>. </a:t>
+            </a:r>
+            <a:r>
+              <a:rPr lang="ko-KR" altLang="en-US" dirty="0">
+                <a:latin typeface="바탕" panose="02030600000101010101" pitchFamily="18" charset="-127"/>
+                <a:ea typeface="바탕" panose="02030600000101010101" pitchFamily="18" charset="-127"/>
+              </a:rPr>
+              <a:t>의존하는 패키지 설정은 이렇게 패키지를 생성할 때 지정할 수도 있으나</a:t>
+            </a:r>
+            <a:r>
+              <a:rPr lang="en-US" altLang="ko-KR" dirty="0">
+                <a:latin typeface="바탕" panose="02030600000101010101" pitchFamily="18" charset="-127"/>
+                <a:ea typeface="바탕" panose="02030600000101010101" pitchFamily="18" charset="-127"/>
+              </a:rPr>
+              <a:t>, </a:t>
+            </a:r>
+            <a:r>
+              <a:rPr lang="ko-KR" altLang="en-US" dirty="0">
+                <a:latin typeface="바탕" panose="02030600000101010101" pitchFamily="18" charset="-127"/>
+                <a:ea typeface="바탕" panose="02030600000101010101" pitchFamily="18" charset="-127"/>
+              </a:rPr>
+              <a:t>생성한 다음 </a:t>
+            </a:r>
+            <a:r>
+              <a:rPr lang="en-US" altLang="ko-KR" dirty="0">
+                <a:latin typeface="바탕" panose="02030600000101010101" pitchFamily="18" charset="-127"/>
+                <a:ea typeface="바탕" panose="02030600000101010101" pitchFamily="18" charset="-127"/>
+              </a:rPr>
+              <a:t>package.xml</a:t>
+            </a:r>
+            <a:r>
+              <a:rPr lang="ko-KR" altLang="en-US" dirty="0">
+                <a:latin typeface="바탕" panose="02030600000101010101" pitchFamily="18" charset="-127"/>
+                <a:ea typeface="바탕" panose="02030600000101010101" pitchFamily="18" charset="-127"/>
+              </a:rPr>
+              <a:t>에서 직접 입력해도 됨</a:t>
+            </a:r>
+            <a:r>
+              <a:rPr lang="en-US" altLang="ko-KR" dirty="0">
+                <a:latin typeface="바탕" panose="02030600000101010101" pitchFamily="18" charset="-127"/>
+                <a:ea typeface="바탕" panose="02030600000101010101" pitchFamily="18" charset="-127"/>
+              </a:rPr>
+              <a:t>.</a:t>
+            </a:r>
+          </a:p>
+          <a:p>
+            <a:pPr lvl="1"/>
+            <a:endParaRPr lang="en-US" altLang="ko-KR" dirty="0">
+              <a:latin typeface="바탕" panose="02030600000101010101" pitchFamily="18" charset="-127"/>
+              <a:ea typeface="바탕" panose="02030600000101010101" pitchFamily="18" charset="-127"/>
+            </a:endParaRPr>
+          </a:p>
+          <a:p>
+            <a:pPr lvl="1"/>
+            <a:r>
+              <a:rPr lang="en-US" altLang="ko-KR" dirty="0">
+                <a:latin typeface="바탕" panose="02030600000101010101" pitchFamily="18" charset="-127"/>
+                <a:ea typeface="바탕" panose="02030600000101010101" pitchFamily="18" charset="-127"/>
+              </a:rPr>
+              <a:t>‘</a:t>
+            </a:r>
+            <a:r>
+              <a:rPr lang="en-US" altLang="ko-KR" dirty="0" err="1">
+                <a:latin typeface="바탕" panose="02030600000101010101" pitchFamily="18" charset="-127"/>
+                <a:ea typeface="바탕" panose="02030600000101010101" pitchFamily="18" charset="-127"/>
+              </a:rPr>
+              <a:t>catkin_create_pkg</a:t>
+            </a:r>
+            <a:r>
+              <a:rPr lang="en-US" altLang="ko-KR" dirty="0">
+                <a:latin typeface="바탕" panose="02030600000101010101" pitchFamily="18" charset="-127"/>
+                <a:ea typeface="바탕" panose="02030600000101010101" pitchFamily="18" charset="-127"/>
+              </a:rPr>
+              <a:t>’</a:t>
+            </a:r>
+            <a:r>
+              <a:rPr lang="ko-KR" altLang="en-US" dirty="0">
+                <a:latin typeface="바탕" panose="02030600000101010101" pitchFamily="18" charset="-127"/>
+                <a:ea typeface="바탕" panose="02030600000101010101" pitchFamily="18" charset="-127"/>
+              </a:rPr>
+              <a:t>는 사용자가 패키지를 작성할 때 </a:t>
+            </a:r>
+            <a:r>
+              <a:rPr lang="ko-KR" altLang="en-US" dirty="0" err="1">
+                <a:latin typeface="바탕" panose="02030600000101010101" pitchFamily="18" charset="-127"/>
+                <a:ea typeface="바탕" panose="02030600000101010101" pitchFamily="18" charset="-127"/>
+              </a:rPr>
+              <a:t>캐킨</a:t>
+            </a:r>
+            <a:r>
+              <a:rPr lang="en-US" altLang="ko-KR" dirty="0">
+                <a:latin typeface="바탕" panose="02030600000101010101" pitchFamily="18" charset="-127"/>
+                <a:ea typeface="바탕" panose="02030600000101010101" pitchFamily="18" charset="-127"/>
+              </a:rPr>
+              <a:t>(catkin) </a:t>
+            </a:r>
+            <a:r>
+              <a:rPr lang="ko-KR" altLang="en-US" dirty="0">
+                <a:latin typeface="바탕" panose="02030600000101010101" pitchFamily="18" charset="-127"/>
+                <a:ea typeface="바탕" panose="02030600000101010101" pitchFamily="18" charset="-127"/>
+              </a:rPr>
+              <a:t>빌드 시스템에 꼭 필요한 </a:t>
+            </a:r>
+            <a:r>
+              <a:rPr lang="en-US" altLang="ko-KR" dirty="0">
+                <a:latin typeface="바탕" panose="02030600000101010101" pitchFamily="18" charset="-127"/>
+                <a:ea typeface="바탕" panose="02030600000101010101" pitchFamily="18" charset="-127"/>
+              </a:rPr>
+              <a:t>CMakeLists.txt</a:t>
+            </a:r>
+            <a:r>
+              <a:rPr lang="ko-KR" altLang="en-US" dirty="0">
+                <a:latin typeface="바탕" panose="02030600000101010101" pitchFamily="18" charset="-127"/>
+                <a:ea typeface="바탕" panose="02030600000101010101" pitchFamily="18" charset="-127"/>
+              </a:rPr>
+              <a:t>와 </a:t>
+            </a:r>
+            <a:r>
+              <a:rPr lang="en-US" altLang="ko-KR" dirty="0">
+                <a:latin typeface="바탕" panose="02030600000101010101" pitchFamily="18" charset="-127"/>
+                <a:ea typeface="바탕" panose="02030600000101010101" pitchFamily="18" charset="-127"/>
+              </a:rPr>
+              <a:t>package.xml</a:t>
+            </a:r>
+            <a:r>
+              <a:rPr lang="ko-KR" altLang="en-US" dirty="0">
+                <a:latin typeface="바탕" panose="02030600000101010101" pitchFamily="18" charset="-127"/>
+                <a:ea typeface="바탕" panose="02030600000101010101" pitchFamily="18" charset="-127"/>
+              </a:rPr>
+              <a:t>을 포함한 패키지 폴더를 생성함</a:t>
+            </a:r>
+            <a:r>
+              <a:rPr lang="en-US" altLang="ko-KR" dirty="0">
+                <a:latin typeface="바탕" panose="02030600000101010101" pitchFamily="18" charset="-127"/>
+                <a:ea typeface="바탕" panose="02030600000101010101" pitchFamily="18" charset="-127"/>
+              </a:rPr>
+              <a:t>.</a:t>
+            </a:r>
+          </a:p>
+          <a:p>
+            <a:pPr lvl="1"/>
+            <a:endParaRPr lang="en-US" altLang="ko-KR" dirty="0">
+              <a:latin typeface="바탕" panose="02030600000101010101" pitchFamily="18" charset="-127"/>
+              <a:ea typeface="바탕" panose="02030600000101010101" pitchFamily="18" charset="-127"/>
+            </a:endParaRPr>
+          </a:p>
+          <a:p>
+            <a:pPr lvl="1"/>
+            <a:r>
+              <a:rPr lang="ko-KR" altLang="en-US" dirty="0">
+                <a:latin typeface="바탕" panose="02030600000101010101" pitchFamily="18" charset="-127"/>
+                <a:ea typeface="바탕" panose="02030600000101010101" pitchFamily="18" charset="-127"/>
+              </a:rPr>
+              <a:t>★주의 </a:t>
+            </a:r>
+            <a:r>
+              <a:rPr lang="en-US" altLang="ko-KR" dirty="0">
+                <a:latin typeface="바탕" panose="02030600000101010101" pitchFamily="18" charset="-127"/>
+                <a:ea typeface="바탕" panose="02030600000101010101" pitchFamily="18" charset="-127"/>
+              </a:rPr>
+              <a:t>: ROS</a:t>
+            </a:r>
+            <a:r>
+              <a:rPr lang="ko-KR" altLang="en-US" dirty="0">
+                <a:latin typeface="바탕" panose="02030600000101010101" pitchFamily="18" charset="-127"/>
+                <a:ea typeface="바탕" panose="02030600000101010101" pitchFamily="18" charset="-127"/>
+              </a:rPr>
+              <a:t>에서 패키지 이름은 모두 소문자를 사용하며</a:t>
+            </a:r>
+            <a:r>
+              <a:rPr lang="en-US" altLang="ko-KR" dirty="0">
+                <a:latin typeface="바탕" panose="02030600000101010101" pitchFamily="18" charset="-127"/>
+                <a:ea typeface="바탕" panose="02030600000101010101" pitchFamily="18" charset="-127"/>
+              </a:rPr>
+              <a:t>, </a:t>
+            </a:r>
+            <a:r>
+              <a:rPr lang="ko-KR" altLang="en-US" dirty="0">
+                <a:latin typeface="바탕" panose="02030600000101010101" pitchFamily="18" charset="-127"/>
+                <a:ea typeface="바탕" panose="02030600000101010101" pitchFamily="18" charset="-127"/>
+              </a:rPr>
+              <a:t>공백이 있으면 안 됨</a:t>
+            </a:r>
+            <a:r>
+              <a:rPr lang="en-US" altLang="ko-KR" dirty="0">
+                <a:latin typeface="바탕" panose="02030600000101010101" pitchFamily="18" charset="-127"/>
+                <a:ea typeface="바탕" panose="02030600000101010101" pitchFamily="18" charset="-127"/>
+              </a:rPr>
+              <a:t>. </a:t>
+            </a:r>
+            <a:r>
+              <a:rPr lang="ko-KR" altLang="en-US" dirty="0">
+                <a:latin typeface="바탕" panose="02030600000101010101" pitchFamily="18" charset="-127"/>
+                <a:ea typeface="바탕" panose="02030600000101010101" pitchFamily="18" charset="-127"/>
+              </a:rPr>
+              <a:t>붙임표</a:t>
+            </a:r>
+            <a:r>
+              <a:rPr lang="en-US" altLang="ko-KR" dirty="0">
+                <a:latin typeface="바탕" panose="02030600000101010101" pitchFamily="18" charset="-127"/>
+                <a:ea typeface="바탕" panose="02030600000101010101" pitchFamily="18" charset="-127"/>
+              </a:rPr>
+              <a:t>(-)</a:t>
+            </a:r>
+            <a:r>
+              <a:rPr lang="ko-KR" altLang="en-US" dirty="0">
+                <a:latin typeface="바탕" panose="02030600000101010101" pitchFamily="18" charset="-127"/>
+                <a:ea typeface="바탕" panose="02030600000101010101" pitchFamily="18" charset="-127"/>
+              </a:rPr>
+              <a:t>대신에 밑줄</a:t>
+            </a:r>
+            <a:r>
+              <a:rPr lang="en-US" altLang="ko-KR" dirty="0">
+                <a:latin typeface="바탕" panose="02030600000101010101" pitchFamily="18" charset="-127"/>
+                <a:ea typeface="바탕" panose="02030600000101010101" pitchFamily="18" charset="-127"/>
+              </a:rPr>
+              <a:t>(_)</a:t>
+            </a:r>
+            <a:r>
+              <a:rPr lang="ko-KR" altLang="en-US" dirty="0">
+                <a:latin typeface="바탕" panose="02030600000101010101" pitchFamily="18" charset="-127"/>
+                <a:ea typeface="바탕" panose="02030600000101010101" pitchFamily="18" charset="-127"/>
+              </a:rPr>
+              <a:t>을 사용해 각 단어를 </a:t>
+            </a:r>
+            <a:r>
+              <a:rPr lang="ko-KR" altLang="en-US" dirty="0" err="1">
+                <a:latin typeface="바탕" panose="02030600000101010101" pitchFamily="18" charset="-127"/>
+                <a:ea typeface="바탕" panose="02030600000101010101" pitchFamily="18" charset="-127"/>
+              </a:rPr>
+              <a:t>이어붙이는</a:t>
+            </a:r>
+            <a:r>
+              <a:rPr lang="ko-KR" altLang="en-US" dirty="0">
+                <a:latin typeface="바탕" panose="02030600000101010101" pitchFamily="18" charset="-127"/>
+                <a:ea typeface="바탕" panose="02030600000101010101" pitchFamily="18" charset="-127"/>
+              </a:rPr>
+              <a:t> 것을 규칙으로 함</a:t>
+            </a:r>
+            <a:r>
+              <a:rPr lang="en-US" altLang="ko-KR" dirty="0">
+                <a:latin typeface="바탕" panose="02030600000101010101" pitchFamily="18" charset="-127"/>
+                <a:ea typeface="바탕" panose="02030600000101010101" pitchFamily="18" charset="-127"/>
+              </a:rPr>
+              <a:t>.</a:t>
+            </a:r>
+          </a:p>
+          <a:p>
+            <a:pPr lvl="1"/>
+            <a:endParaRPr lang="en-US" altLang="ko-KR" dirty="0">
+              <a:latin typeface="바탕" panose="02030600000101010101" pitchFamily="18" charset="-127"/>
+              <a:ea typeface="바탕" panose="02030600000101010101" pitchFamily="18" charset="-127"/>
+            </a:endParaRPr>
+          </a:p>
+        </p:txBody>
+      </p:sp>
+    </p:spTree>
+    <p:extLst>
+      <p:ext uri="{BB962C8B-B14F-4D97-AF65-F5344CB8AC3E}">
+        <p14:creationId xmlns:p14="http://schemas.microsoft.com/office/powerpoint/2010/main" val="1042265791"/>
+      </p:ext>
+    </p:extLst>
+  </p:cSld>
+  <p:clrMapOvr>
+    <a:masterClrMapping/>
+  </p:clrMapOvr>
+  <p:transition/>
+</p:sld>
+</file>
+
+<file path=ppt/slides/slide5.xml><?xml version="1.0" encoding="utf-8"?>
+<p:sld xmlns:a="http://schemas.openxmlformats.org/drawingml/2006/main" xmlns:r="http://schemas.openxmlformats.org/officeDocument/2006/relationships" xmlns:p="http://schemas.openxmlformats.org/presentationml/2006/main">
+  <p:cSld>
+    <p:spTree>
+      <p:nvGrpSpPr>
+        <p:cNvPr id="1" name=""/>
+        <p:cNvGrpSpPr/>
+        <p:nvPr/>
+      </p:nvGrpSpPr>
+      <p:grpSpPr>
+        <a:xfrm>
+          <a:off x="0" y="0"/>
+          <a:ext cx="0" cy="0"/>
+          <a:chOff x="0" y="0"/>
+          <a:chExt cx="0" cy="0"/>
+        </a:xfrm>
+      </p:grpSpPr>
+      <p:sp>
+        <p:nvSpPr>
+          <p:cNvPr id="2" name="TextBox 1">
+            <a:extLst>
+              <a:ext uri="{FF2B5EF4-FFF2-40B4-BE49-F238E27FC236}">
+                <a16:creationId xmlns:a16="http://schemas.microsoft.com/office/drawing/2014/main" id="{66F38359-7AA4-4B62-8CDF-F568F2D3C99B}"/>
+              </a:ext>
+            </a:extLst>
+          </p:cNvPr>
+          <p:cNvSpPr txBox="1"/>
+          <p:nvPr/>
+        </p:nvSpPr>
+        <p:spPr>
+          <a:xfrm>
+            <a:off x="635297" y="561249"/>
+            <a:ext cx="10921406" cy="646331"/>
+          </a:xfrm>
+          <a:prstGeom prst="rect">
+            <a:avLst/>
+          </a:prstGeom>
+          <a:noFill/>
+        </p:spPr>
+        <p:txBody>
+          <a:bodyPr wrap="square" rtlCol="0">
+            <a:spAutoFit/>
+          </a:bodyPr>
+          <a:lstStyle/>
+          <a:p>
+            <a:pPr marL="285750" indent="-285750">
+              <a:buFont typeface="Arial" panose="020B0604020202020204" pitchFamily="34" charset="0"/>
+              <a:buChar char="•"/>
+            </a:pPr>
+            <a:r>
+              <a:rPr lang="ko-KR" altLang="en-US" dirty="0">
+                <a:latin typeface="바탕" panose="02030600000101010101" pitchFamily="18" charset="-127"/>
+                <a:ea typeface="바탕" panose="02030600000101010101" pitchFamily="18" charset="-127"/>
+              </a:rPr>
+              <a:t>빌드</a:t>
+            </a:r>
+            <a:endParaRPr lang="en-US" altLang="ko-KR" dirty="0">
+              <a:latin typeface="바탕" panose="02030600000101010101" pitchFamily="18" charset="-127"/>
+              <a:ea typeface="바탕" panose="02030600000101010101" pitchFamily="18" charset="-127"/>
+            </a:endParaRPr>
+          </a:p>
+          <a:p>
+            <a:pPr lvl="1"/>
+            <a:r>
+              <a:rPr lang="en-US" altLang="ko-KR" dirty="0">
+                <a:latin typeface="바탕" panose="02030600000101010101" pitchFamily="18" charset="-127"/>
+                <a:ea typeface="바탕" panose="02030600000101010101" pitchFamily="18" charset="-127"/>
+              </a:rPr>
+              <a:t>$ </a:t>
+            </a:r>
+            <a:r>
+              <a:rPr lang="en-US" altLang="ko-KR" dirty="0" err="1">
+                <a:latin typeface="바탕" panose="02030600000101010101" pitchFamily="18" charset="-127"/>
+                <a:ea typeface="바탕" panose="02030600000101010101" pitchFamily="18" charset="-127"/>
+              </a:rPr>
+              <a:t>catkin_make</a:t>
+            </a:r>
+            <a:endParaRPr lang="en-US" altLang="ko-KR" dirty="0">
+              <a:latin typeface="바탕" panose="02030600000101010101" pitchFamily="18" charset="-127"/>
+              <a:ea typeface="바탕" panose="02030600000101010101" pitchFamily="18" charset="-127"/>
+            </a:endParaRPr>
+          </a:p>
+        </p:txBody>
+      </p:sp>
+      <p:sp>
+        <p:nvSpPr>
+          <p:cNvPr id="7" name="TextBox 6">
+            <a:extLst>
+              <a:ext uri="{FF2B5EF4-FFF2-40B4-BE49-F238E27FC236}">
+                <a16:creationId xmlns:a16="http://schemas.microsoft.com/office/drawing/2014/main" id="{42128B88-1E9A-430C-BA0B-854DEE1DBC79}"/>
+              </a:ext>
+            </a:extLst>
+          </p:cNvPr>
+          <p:cNvSpPr txBox="1"/>
+          <p:nvPr/>
+        </p:nvSpPr>
+        <p:spPr>
+          <a:xfrm>
+            <a:off x="635297" y="1466413"/>
+            <a:ext cx="10921406" cy="646331"/>
+          </a:xfrm>
+          <a:prstGeom prst="rect">
+            <a:avLst/>
+          </a:prstGeom>
+          <a:noFill/>
+        </p:spPr>
+        <p:txBody>
+          <a:bodyPr wrap="square" rtlCol="0">
+            <a:spAutoFit/>
+          </a:bodyPr>
+          <a:lstStyle/>
+          <a:p>
+            <a:pPr marL="285750" indent="-285750">
+              <a:buFont typeface="Arial" panose="020B0604020202020204" pitchFamily="34" charset="0"/>
+              <a:buChar char="•"/>
+            </a:pPr>
+            <a:r>
+              <a:rPr lang="ko-KR" altLang="en-US" dirty="0">
+                <a:latin typeface="바탕" panose="02030600000101010101" pitchFamily="18" charset="-127"/>
+                <a:ea typeface="바탕" panose="02030600000101010101" pitchFamily="18" charset="-127"/>
+              </a:rPr>
+              <a:t>폴더 내용 확인</a:t>
+            </a:r>
+            <a:endParaRPr lang="en-US" altLang="ko-KR" dirty="0">
+              <a:latin typeface="바탕" panose="02030600000101010101" pitchFamily="18" charset="-127"/>
+              <a:ea typeface="바탕" panose="02030600000101010101" pitchFamily="18" charset="-127"/>
+            </a:endParaRPr>
+          </a:p>
+          <a:p>
+            <a:pPr lvl="1"/>
+            <a:r>
+              <a:rPr lang="en-US" altLang="ko-KR" dirty="0">
+                <a:latin typeface="바탕" panose="02030600000101010101" pitchFamily="18" charset="-127"/>
+                <a:ea typeface="바탕" panose="02030600000101010101" pitchFamily="18" charset="-127"/>
+              </a:rPr>
+              <a:t>$ ls</a:t>
+            </a:r>
+          </a:p>
+        </p:txBody>
+      </p:sp>
+    </p:spTree>
+    <p:extLst>
+      <p:ext uri="{BB962C8B-B14F-4D97-AF65-F5344CB8AC3E}">
+        <p14:creationId xmlns:p14="http://schemas.microsoft.com/office/powerpoint/2010/main" val="1126369041"/>
+      </p:ext>
+    </p:extLst>
+  </p:cSld>
+  <p:clrMapOvr>
+    <a:masterClrMapping/>
+  </p:clrMapOvr>
+  <p:transition/>
+</p:sld>
+</file>
+
+<file path=ppt/slides/slide6.xml><?xml version="1.0" encoding="utf-8"?>
 <p:sld xmlns:a="http://schemas.openxmlformats.org/drawingml/2006/main" xmlns:r="http://schemas.openxmlformats.org/officeDocument/2006/relationships" xmlns:p="http://schemas.openxmlformats.org/presentationml/2006/main">
   <p:cSld>
     <p:spTree>
@@ -4946,7 +7259,7 @@
 </p:sld>
 </file>
 
-<file path=ppt/slides/slide5.xml><?xml version="1.0" encoding="utf-8"?>
+<file path=ppt/slides/slide7.xml><?xml version="1.0" encoding="utf-8"?>
 <p:sld xmlns:a="http://schemas.openxmlformats.org/drawingml/2006/main" xmlns:r="http://schemas.openxmlformats.org/officeDocument/2006/relationships" xmlns:p="http://schemas.openxmlformats.org/presentationml/2006/main">
   <p:cSld>
     <p:spTree>
@@ -5225,7 +7538,7 @@
 </p:sld>
 </file>
 
-<file path=ppt/slides/slide6.xml><?xml version="1.0" encoding="utf-8"?>
+<file path=ppt/slides/slide8.xml><?xml version="1.0" encoding="utf-8"?>
 <p:sld xmlns:a="http://schemas.openxmlformats.org/drawingml/2006/main" xmlns:r="http://schemas.openxmlformats.org/officeDocument/2006/relationships" xmlns:p="http://schemas.openxmlformats.org/presentationml/2006/main">
   <p:cSld>
     <p:spTree>
@@ -5348,10 +7661,453 @@
           </a:p>
         </p:txBody>
       </p:sp>
+      <p:sp>
+        <p:nvSpPr>
+          <p:cNvPr id="2" name="TextBox 1">
+            <a:extLst>
+              <a:ext uri="{FF2B5EF4-FFF2-40B4-BE49-F238E27FC236}">
+                <a16:creationId xmlns:a16="http://schemas.microsoft.com/office/drawing/2014/main" id="{50640256-6A23-4953-84B7-84F0C5B906D7}"/>
+              </a:ext>
+            </a:extLst>
+          </p:cNvPr>
+          <p:cNvSpPr txBox="1"/>
+          <p:nvPr/>
+        </p:nvSpPr>
+        <p:spPr>
+          <a:xfrm>
+            <a:off x="896783" y="2584026"/>
+            <a:ext cx="10921406" cy="369332"/>
+          </a:xfrm>
+          <a:prstGeom prst="rect">
+            <a:avLst/>
+          </a:prstGeom>
+          <a:noFill/>
+        </p:spPr>
+        <p:txBody>
+          <a:bodyPr wrap="square" rtlCol="0">
+            <a:spAutoFit/>
+          </a:bodyPr>
+          <a:lstStyle/>
+          <a:p>
+            <a:pPr marL="285750" indent="-285750">
+              <a:buFont typeface="Arial" panose="020B0604020202020204" pitchFamily="34" charset="0"/>
+              <a:buChar char="•"/>
+            </a:pPr>
+            <a:r>
+              <a:rPr lang="en-US" altLang="ko-KR" dirty="0">
+                <a:latin typeface="바탕" panose="02030600000101010101" pitchFamily="18" charset="-127"/>
+                <a:ea typeface="바탕" panose="02030600000101010101" pitchFamily="18" charset="-127"/>
+              </a:rPr>
+              <a:t>Terminal</a:t>
+            </a:r>
+            <a:r>
+              <a:rPr lang="ko-KR" altLang="en-US" dirty="0">
+                <a:latin typeface="바탕" panose="02030600000101010101" pitchFamily="18" charset="-127"/>
+                <a:ea typeface="바탕" panose="02030600000101010101" pitchFamily="18" charset="-127"/>
+              </a:rPr>
+              <a:t>에 입력된 명령어 모두 없애기</a:t>
+            </a:r>
+            <a:r>
+              <a:rPr lang="en-US" altLang="ko-KR" dirty="0">
+                <a:latin typeface="바탕" panose="02030600000101010101" pitchFamily="18" charset="-127"/>
+                <a:ea typeface="바탕" panose="02030600000101010101" pitchFamily="18" charset="-127"/>
+              </a:rPr>
+              <a:t>(</a:t>
+            </a:r>
+            <a:r>
+              <a:rPr lang="ko-KR" altLang="en-US" dirty="0">
+                <a:latin typeface="바탕" panose="02030600000101010101" pitchFamily="18" charset="-127"/>
+                <a:ea typeface="바탕" panose="02030600000101010101" pitchFamily="18" charset="-127"/>
+              </a:rPr>
+              <a:t>청소</a:t>
+            </a:r>
+            <a:r>
+              <a:rPr lang="en-US" altLang="ko-KR" dirty="0">
+                <a:latin typeface="바탕" panose="02030600000101010101" pitchFamily="18" charset="-127"/>
+                <a:ea typeface="바탕" panose="02030600000101010101" pitchFamily="18" charset="-127"/>
+              </a:rPr>
+              <a:t>..?)</a:t>
+            </a:r>
+          </a:p>
+        </p:txBody>
+      </p:sp>
+      <p:sp>
+        <p:nvSpPr>
+          <p:cNvPr id="7" name="TextBox 6">
+            <a:extLst>
+              <a:ext uri="{FF2B5EF4-FFF2-40B4-BE49-F238E27FC236}">
+                <a16:creationId xmlns:a16="http://schemas.microsoft.com/office/drawing/2014/main" id="{51070563-E0EF-4BB2-83CC-7F1C1DDD9518}"/>
+              </a:ext>
+            </a:extLst>
+          </p:cNvPr>
+          <p:cNvSpPr txBox="1"/>
+          <p:nvPr/>
+        </p:nvSpPr>
+        <p:spPr>
+          <a:xfrm>
+            <a:off x="896783" y="3766535"/>
+            <a:ext cx="10921406" cy="369332"/>
+          </a:xfrm>
+          <a:prstGeom prst="rect">
+            <a:avLst/>
+          </a:prstGeom>
+          <a:noFill/>
+        </p:spPr>
+        <p:txBody>
+          <a:bodyPr wrap="square" rtlCol="0">
+            <a:spAutoFit/>
+          </a:bodyPr>
+          <a:lstStyle/>
+          <a:p>
+            <a:pPr marL="285750" indent="-285750">
+              <a:buFont typeface="Arial" panose="020B0604020202020204" pitchFamily="34" charset="0"/>
+              <a:buChar char="•"/>
+            </a:pPr>
+            <a:r>
+              <a:rPr lang="en-US" altLang="ko-KR" dirty="0">
+                <a:latin typeface="바탕" panose="02030600000101010101" pitchFamily="18" charset="-127"/>
+                <a:ea typeface="바탕" panose="02030600000101010101" pitchFamily="18" charset="-127"/>
+              </a:rPr>
+              <a:t>‘~/’</a:t>
+            </a:r>
+            <a:r>
+              <a:rPr lang="ko-KR" altLang="en-US" dirty="0">
+                <a:latin typeface="바탕" panose="02030600000101010101" pitchFamily="18" charset="-127"/>
+                <a:ea typeface="바탕" panose="02030600000101010101" pitchFamily="18" charset="-127"/>
+              </a:rPr>
+              <a:t>은 리눅스에서 </a:t>
+            </a:r>
+            <a:r>
+              <a:rPr lang="en-US" altLang="ko-KR" dirty="0">
+                <a:latin typeface="바탕" panose="02030600000101010101" pitchFamily="18" charset="-127"/>
+                <a:ea typeface="바탕" panose="02030600000101010101" pitchFamily="18" charset="-127"/>
+              </a:rPr>
+              <a:t>‘/home/</a:t>
+            </a:r>
+            <a:r>
+              <a:rPr lang="ko-KR" altLang="en-US" dirty="0">
+                <a:latin typeface="바탕" panose="02030600000101010101" pitchFamily="18" charset="-127"/>
+                <a:ea typeface="바탕" panose="02030600000101010101" pitchFamily="18" charset="-127"/>
+              </a:rPr>
+              <a:t>사용자이름</a:t>
+            </a:r>
+            <a:r>
+              <a:rPr lang="en-US" altLang="ko-KR" dirty="0">
+                <a:latin typeface="바탕" panose="02030600000101010101" pitchFamily="18" charset="-127"/>
+                <a:ea typeface="바탕" panose="02030600000101010101" pitchFamily="18" charset="-127"/>
+              </a:rPr>
+              <a:t>/’</a:t>
+            </a:r>
+            <a:r>
+              <a:rPr lang="ko-KR" altLang="en-US" dirty="0">
+                <a:latin typeface="바탕" panose="02030600000101010101" pitchFamily="18" charset="-127"/>
+                <a:ea typeface="바탕" panose="02030600000101010101" pitchFamily="18" charset="-127"/>
+              </a:rPr>
+              <a:t>에 해당하는 폴더를 의미함</a:t>
+            </a:r>
+            <a:endParaRPr lang="en-US" altLang="ko-KR" dirty="0">
+              <a:latin typeface="바탕" panose="02030600000101010101" pitchFamily="18" charset="-127"/>
+              <a:ea typeface="바탕" panose="02030600000101010101" pitchFamily="18" charset="-127"/>
+            </a:endParaRPr>
+          </a:p>
+        </p:txBody>
+      </p:sp>
+      <p:sp>
+        <p:nvSpPr>
+          <p:cNvPr id="9" name="TextBox 8">
+            <a:extLst>
+              <a:ext uri="{FF2B5EF4-FFF2-40B4-BE49-F238E27FC236}">
+                <a16:creationId xmlns:a16="http://schemas.microsoft.com/office/drawing/2014/main" id="{913A7793-9A2B-4012-A7E8-51E23C0B4CB3}"/>
+              </a:ext>
+            </a:extLst>
+          </p:cNvPr>
+          <p:cNvSpPr txBox="1"/>
+          <p:nvPr/>
+        </p:nvSpPr>
+        <p:spPr>
+          <a:xfrm>
+            <a:off x="896783" y="4949044"/>
+            <a:ext cx="10921406" cy="369332"/>
+          </a:xfrm>
+          <a:prstGeom prst="rect">
+            <a:avLst/>
+          </a:prstGeom>
+          <a:noFill/>
+        </p:spPr>
+        <p:txBody>
+          <a:bodyPr wrap="square" rtlCol="0">
+            <a:spAutoFit/>
+          </a:bodyPr>
+          <a:lstStyle/>
+          <a:p>
+            <a:pPr marL="285750" indent="-285750">
+              <a:buFont typeface="Arial" panose="020B0604020202020204" pitchFamily="34" charset="0"/>
+              <a:buChar char="•"/>
+            </a:pPr>
+            <a:r>
+              <a:rPr lang="ko-KR" altLang="en-US" dirty="0">
+                <a:latin typeface="바탕" panose="02030600000101010101" pitchFamily="18" charset="-127"/>
+                <a:ea typeface="바탕" panose="02030600000101010101" pitchFamily="18" charset="-127"/>
+              </a:rPr>
+              <a:t>한 개 노드 실행</a:t>
+            </a:r>
+            <a:endParaRPr lang="en-US" altLang="ko-KR" dirty="0">
+              <a:latin typeface="바탕" panose="02030600000101010101" pitchFamily="18" charset="-127"/>
+              <a:ea typeface="바탕" panose="02030600000101010101" pitchFamily="18" charset="-127"/>
+            </a:endParaRPr>
+          </a:p>
+        </p:txBody>
+      </p:sp>
     </p:spTree>
     <p:extLst>
       <p:ext uri="{BB962C8B-B14F-4D97-AF65-F5344CB8AC3E}">
         <p14:creationId xmlns:p14="http://schemas.microsoft.com/office/powerpoint/2010/main" val="383331583"/>
+      </p:ext>
+    </p:extLst>
+  </p:cSld>
+  <p:clrMapOvr>
+    <a:masterClrMapping/>
+  </p:clrMapOvr>
+  <p:transition/>
+</p:sld>
+</file>
+
+<file path=ppt/slides/slide9.xml><?xml version="1.0" encoding="utf-8"?>
+<p:sld xmlns:a="http://schemas.openxmlformats.org/drawingml/2006/main" xmlns:r="http://schemas.openxmlformats.org/officeDocument/2006/relationships" xmlns:p="http://schemas.openxmlformats.org/presentationml/2006/main">
+  <p:cSld>
+    <p:spTree>
+      <p:nvGrpSpPr>
+        <p:cNvPr id="1" name=""/>
+        <p:cNvGrpSpPr/>
+        <p:nvPr/>
+      </p:nvGrpSpPr>
+      <p:grpSpPr>
+        <a:xfrm>
+          <a:off x="0" y="0"/>
+          <a:ext cx="0" cy="0"/>
+          <a:chOff x="0" y="0"/>
+          <a:chExt cx="0" cy="0"/>
+        </a:xfrm>
+      </p:grpSpPr>
+      <p:sp>
+        <p:nvSpPr>
+          <p:cNvPr id="4" name="TextBox 3">
+            <a:extLst>
+              <a:ext uri="{FF2B5EF4-FFF2-40B4-BE49-F238E27FC236}">
+                <a16:creationId xmlns:a16="http://schemas.microsoft.com/office/drawing/2014/main" id="{41747B8E-FA40-48E6-A477-7674A5798747}"/>
+              </a:ext>
+            </a:extLst>
+          </p:cNvPr>
+          <p:cNvSpPr txBox="1"/>
+          <p:nvPr/>
+        </p:nvSpPr>
+        <p:spPr>
+          <a:xfrm>
+            <a:off x="750134" y="601331"/>
+            <a:ext cx="10921406" cy="369332"/>
+          </a:xfrm>
+          <a:prstGeom prst="rect">
+            <a:avLst/>
+          </a:prstGeom>
+          <a:noFill/>
+        </p:spPr>
+        <p:txBody>
+          <a:bodyPr wrap="square" rtlCol="0">
+            <a:spAutoFit/>
+          </a:bodyPr>
+          <a:lstStyle/>
+          <a:p>
+            <a:pPr marL="285750" indent="-285750">
+              <a:buFont typeface="Arial" panose="020B0604020202020204" pitchFamily="34" charset="0"/>
+              <a:buChar char="•"/>
+            </a:pPr>
+            <a:r>
+              <a:rPr lang="ko-KR" altLang="en-US" dirty="0">
+                <a:latin typeface="바탕" panose="02030600000101010101" pitchFamily="18" charset="-127"/>
+                <a:ea typeface="바탕" panose="02030600000101010101" pitchFamily="18" charset="-127"/>
+              </a:rPr>
+              <a:t>여러 개 노드 실행</a:t>
+            </a:r>
+            <a:endParaRPr lang="en-US" altLang="ko-KR" dirty="0">
+              <a:latin typeface="바탕" panose="02030600000101010101" pitchFamily="18" charset="-127"/>
+              <a:ea typeface="바탕" panose="02030600000101010101" pitchFamily="18" charset="-127"/>
+            </a:endParaRPr>
+          </a:p>
+        </p:txBody>
+      </p:sp>
+      <p:sp>
+        <p:nvSpPr>
+          <p:cNvPr id="6" name="TextBox 5">
+            <a:extLst>
+              <a:ext uri="{FF2B5EF4-FFF2-40B4-BE49-F238E27FC236}">
+                <a16:creationId xmlns:a16="http://schemas.microsoft.com/office/drawing/2014/main" id="{FF8B62D0-DBF3-4AC8-98F0-248FB7F010DE}"/>
+              </a:ext>
+            </a:extLst>
+          </p:cNvPr>
+          <p:cNvSpPr txBox="1"/>
+          <p:nvPr/>
+        </p:nvSpPr>
+        <p:spPr>
+          <a:xfrm>
+            <a:off x="750134" y="1703508"/>
+            <a:ext cx="10921406" cy="369332"/>
+          </a:xfrm>
+          <a:prstGeom prst="rect">
+            <a:avLst/>
+          </a:prstGeom>
+          <a:noFill/>
+        </p:spPr>
+        <p:txBody>
+          <a:bodyPr wrap="square" rtlCol="0">
+            <a:spAutoFit/>
+          </a:bodyPr>
+          <a:lstStyle/>
+          <a:p>
+            <a:pPr marL="285750" indent="-285750">
+              <a:buFont typeface="Arial" panose="020B0604020202020204" pitchFamily="34" charset="0"/>
+              <a:buChar char="•"/>
+            </a:pPr>
+            <a:r>
+              <a:rPr lang="ko-KR" altLang="en-US">
+                <a:latin typeface="바탕" panose="02030600000101010101" pitchFamily="18" charset="-127"/>
+                <a:ea typeface="바탕" panose="02030600000101010101" pitchFamily="18" charset="-127"/>
+              </a:rPr>
+              <a:t>패키지 생성</a:t>
+            </a:r>
+            <a:endParaRPr lang="en-US" altLang="ko-KR" dirty="0">
+              <a:latin typeface="바탕" panose="02030600000101010101" pitchFamily="18" charset="-127"/>
+              <a:ea typeface="바탕" panose="02030600000101010101" pitchFamily="18" charset="-127"/>
+            </a:endParaRPr>
+          </a:p>
+        </p:txBody>
+      </p:sp>
+      <p:sp>
+        <p:nvSpPr>
+          <p:cNvPr id="12" name="TextBox 11">
+            <a:extLst>
+              <a:ext uri="{FF2B5EF4-FFF2-40B4-BE49-F238E27FC236}">
+                <a16:creationId xmlns:a16="http://schemas.microsoft.com/office/drawing/2014/main" id="{CEE0D772-47DF-45AA-B858-4355365EDF01}"/>
+              </a:ext>
+            </a:extLst>
+          </p:cNvPr>
+          <p:cNvSpPr txBox="1"/>
+          <p:nvPr/>
+        </p:nvSpPr>
+        <p:spPr>
+          <a:xfrm>
+            <a:off x="750134" y="2805685"/>
+            <a:ext cx="10921406" cy="646331"/>
+          </a:xfrm>
+          <a:prstGeom prst="rect">
+            <a:avLst/>
+          </a:prstGeom>
+          <a:noFill/>
+        </p:spPr>
+        <p:txBody>
+          <a:bodyPr wrap="square" rtlCol="0">
+            <a:spAutoFit/>
+          </a:bodyPr>
+          <a:lstStyle/>
+          <a:p>
+            <a:pPr marL="285750" indent="-285750">
+              <a:buFont typeface="Arial" panose="020B0604020202020204" pitchFamily="34" charset="0"/>
+              <a:buChar char="•"/>
+            </a:pPr>
+            <a:r>
+              <a:rPr lang="ko-KR" altLang="en-US" dirty="0">
+                <a:latin typeface="바탕" panose="02030600000101010101" pitchFamily="18" charset="-127"/>
+                <a:ea typeface="바탕" panose="02030600000101010101" pitchFamily="18" charset="-127"/>
+              </a:rPr>
+              <a:t>빌드</a:t>
+            </a:r>
+            <a:endParaRPr lang="en-US" altLang="ko-KR" dirty="0">
+              <a:latin typeface="바탕" panose="02030600000101010101" pitchFamily="18" charset="-127"/>
+              <a:ea typeface="바탕" panose="02030600000101010101" pitchFamily="18" charset="-127"/>
+            </a:endParaRPr>
+          </a:p>
+          <a:p>
+            <a:pPr lvl="1"/>
+            <a:r>
+              <a:rPr lang="en-US" altLang="ko-KR" dirty="0">
+                <a:latin typeface="바탕" panose="02030600000101010101" pitchFamily="18" charset="-127"/>
+                <a:ea typeface="바탕" panose="02030600000101010101" pitchFamily="18" charset="-127"/>
+              </a:rPr>
+              <a:t>$ </a:t>
+            </a:r>
+            <a:r>
+              <a:rPr lang="en-US" altLang="ko-KR" dirty="0" err="1">
+                <a:latin typeface="바탕" panose="02030600000101010101" pitchFamily="18" charset="-127"/>
+                <a:ea typeface="바탕" panose="02030600000101010101" pitchFamily="18" charset="-127"/>
+              </a:rPr>
+              <a:t>catkin_make</a:t>
+            </a:r>
+            <a:endParaRPr lang="en-US" altLang="ko-KR" dirty="0">
+              <a:latin typeface="바탕" panose="02030600000101010101" pitchFamily="18" charset="-127"/>
+              <a:ea typeface="바탕" panose="02030600000101010101" pitchFamily="18" charset="-127"/>
+            </a:endParaRPr>
+          </a:p>
+        </p:txBody>
+      </p:sp>
+      <p:sp>
+        <p:nvSpPr>
+          <p:cNvPr id="14" name="TextBox 13">
+            <a:extLst>
+              <a:ext uri="{FF2B5EF4-FFF2-40B4-BE49-F238E27FC236}">
+                <a16:creationId xmlns:a16="http://schemas.microsoft.com/office/drawing/2014/main" id="{D2AB80FE-2D19-41BA-AC21-B6800DC5CAD2}"/>
+              </a:ext>
+            </a:extLst>
+          </p:cNvPr>
+          <p:cNvSpPr txBox="1"/>
+          <p:nvPr/>
+        </p:nvSpPr>
+        <p:spPr>
+          <a:xfrm>
+            <a:off x="750134" y="4184861"/>
+            <a:ext cx="10921406" cy="646331"/>
+          </a:xfrm>
+          <a:prstGeom prst="rect">
+            <a:avLst/>
+          </a:prstGeom>
+          <a:noFill/>
+        </p:spPr>
+        <p:txBody>
+          <a:bodyPr wrap="square" rtlCol="0">
+            <a:spAutoFit/>
+          </a:bodyPr>
+          <a:lstStyle/>
+          <a:p>
+            <a:pPr marL="285750" indent="-285750">
+              <a:buFont typeface="Arial" panose="020B0604020202020204" pitchFamily="34" charset="0"/>
+              <a:buChar char="•"/>
+            </a:pPr>
+            <a:r>
+              <a:rPr lang="ko-KR" altLang="en-US" dirty="0">
+                <a:latin typeface="바탕" panose="02030600000101010101" pitchFamily="18" charset="-127"/>
+                <a:ea typeface="바탕" panose="02030600000101010101" pitchFamily="18" charset="-127"/>
+              </a:rPr>
+              <a:t>폴더 내용 확인</a:t>
+            </a:r>
+            <a:endParaRPr lang="en-US" altLang="ko-KR" dirty="0">
+              <a:latin typeface="바탕" panose="02030600000101010101" pitchFamily="18" charset="-127"/>
+              <a:ea typeface="바탕" panose="02030600000101010101" pitchFamily="18" charset="-127"/>
+            </a:endParaRPr>
+          </a:p>
+          <a:p>
+            <a:pPr lvl="1"/>
+            <a:r>
+              <a:rPr lang="en-US" altLang="ko-KR" dirty="0">
+                <a:latin typeface="바탕" panose="02030600000101010101" pitchFamily="18" charset="-127"/>
+                <a:ea typeface="바탕" panose="02030600000101010101" pitchFamily="18" charset="-127"/>
+              </a:rPr>
+              <a:t>$ ls</a:t>
+            </a:r>
+          </a:p>
+        </p:txBody>
+      </p:sp>
+    </p:spTree>
+    <p:extLst>
+      <p:ext uri="{BB962C8B-B14F-4D97-AF65-F5344CB8AC3E}">
+        <p14:creationId xmlns:p14="http://schemas.microsoft.com/office/powerpoint/2010/main" val="2470827444"/>
       </p:ext>
     </p:extLst>
   </p:cSld>

--- a/Turtlebot/Ubuntu & ROS.pptx
+++ b/Turtlebot/Ubuntu & ROS.pptx
@@ -284,7 +284,7 @@
           <a:p>
             <a:fld id="{F7232416-3236-4BEC-9F65-32C6B7F68842}" type="datetimeFigureOut">
               <a:rPr lang="ko-KR" altLang="en-US" smtClean="0"/>
-              <a:t>2020-08-25</a:t>
+              <a:t>2020-08-26</a:t>
             </a:fld>
             <a:endParaRPr lang="ko-KR" altLang="en-US"/>
           </a:p>
@@ -482,7 +482,7 @@
           <a:p>
             <a:fld id="{F7232416-3236-4BEC-9F65-32C6B7F68842}" type="datetimeFigureOut">
               <a:rPr lang="ko-KR" altLang="en-US" smtClean="0"/>
-              <a:t>2020-08-25</a:t>
+              <a:t>2020-08-26</a:t>
             </a:fld>
             <a:endParaRPr lang="ko-KR" altLang="en-US"/>
           </a:p>
@@ -690,7 +690,7 @@
           <a:p>
             <a:fld id="{F7232416-3236-4BEC-9F65-32C6B7F68842}" type="datetimeFigureOut">
               <a:rPr lang="ko-KR" altLang="en-US" smtClean="0"/>
-              <a:t>2020-08-25</a:t>
+              <a:t>2020-08-26</a:t>
             </a:fld>
             <a:endParaRPr lang="ko-KR" altLang="en-US"/>
           </a:p>
@@ -888,7 +888,7 @@
           <a:p>
             <a:fld id="{F7232416-3236-4BEC-9F65-32C6B7F68842}" type="datetimeFigureOut">
               <a:rPr lang="ko-KR" altLang="en-US" smtClean="0"/>
-              <a:t>2020-08-25</a:t>
+              <a:t>2020-08-26</a:t>
             </a:fld>
             <a:endParaRPr lang="ko-KR" altLang="en-US"/>
           </a:p>
@@ -1163,7 +1163,7 @@
           <a:p>
             <a:fld id="{F7232416-3236-4BEC-9F65-32C6B7F68842}" type="datetimeFigureOut">
               <a:rPr lang="ko-KR" altLang="en-US" smtClean="0"/>
-              <a:t>2020-08-25</a:t>
+              <a:t>2020-08-26</a:t>
             </a:fld>
             <a:endParaRPr lang="ko-KR" altLang="en-US"/>
           </a:p>
@@ -1428,7 +1428,7 @@
           <a:p>
             <a:fld id="{F7232416-3236-4BEC-9F65-32C6B7F68842}" type="datetimeFigureOut">
               <a:rPr lang="ko-KR" altLang="en-US" smtClean="0"/>
-              <a:t>2020-08-25</a:t>
+              <a:t>2020-08-26</a:t>
             </a:fld>
             <a:endParaRPr lang="ko-KR" altLang="en-US"/>
           </a:p>
@@ -1840,7 +1840,7 @@
           <a:p>
             <a:fld id="{F7232416-3236-4BEC-9F65-32C6B7F68842}" type="datetimeFigureOut">
               <a:rPr lang="ko-KR" altLang="en-US" smtClean="0"/>
-              <a:t>2020-08-25</a:t>
+              <a:t>2020-08-26</a:t>
             </a:fld>
             <a:endParaRPr lang="ko-KR" altLang="en-US"/>
           </a:p>
@@ -1981,7 +1981,7 @@
           <a:p>
             <a:fld id="{F7232416-3236-4BEC-9F65-32C6B7F68842}" type="datetimeFigureOut">
               <a:rPr lang="ko-KR" altLang="en-US" smtClean="0"/>
-              <a:t>2020-08-25</a:t>
+              <a:t>2020-08-26</a:t>
             </a:fld>
             <a:endParaRPr lang="ko-KR" altLang="en-US"/>
           </a:p>
@@ -2094,7 +2094,7 @@
           <a:p>
             <a:fld id="{F7232416-3236-4BEC-9F65-32C6B7F68842}" type="datetimeFigureOut">
               <a:rPr lang="ko-KR" altLang="en-US" smtClean="0"/>
-              <a:t>2020-08-25</a:t>
+              <a:t>2020-08-26</a:t>
             </a:fld>
             <a:endParaRPr lang="ko-KR" altLang="en-US"/>
           </a:p>
@@ -2405,7 +2405,7 @@
           <a:p>
             <a:fld id="{F7232416-3236-4BEC-9F65-32C6B7F68842}" type="datetimeFigureOut">
               <a:rPr lang="ko-KR" altLang="en-US" smtClean="0"/>
-              <a:t>2020-08-25</a:t>
+              <a:t>2020-08-26</a:t>
             </a:fld>
             <a:endParaRPr lang="ko-KR" altLang="en-US"/>
           </a:p>
@@ -2693,7 +2693,7 @@
           <a:p>
             <a:fld id="{F7232416-3236-4BEC-9F65-32C6B7F68842}" type="datetimeFigureOut">
               <a:rPr lang="ko-KR" altLang="en-US" smtClean="0"/>
-              <a:t>2020-08-25</a:t>
+              <a:t>2020-08-26</a:t>
             </a:fld>
             <a:endParaRPr lang="ko-KR" altLang="en-US"/>
           </a:p>
@@ -2934,7 +2934,7 @@
           <a:p>
             <a:fld id="{F7232416-3236-4BEC-9F65-32C6B7F68842}" type="datetimeFigureOut">
               <a:rPr lang="ko-KR" altLang="en-US" smtClean="0"/>
-              <a:t>2020-08-25</a:t>
+              <a:t>2020-08-26</a:t>
             </a:fld>
             <a:endParaRPr lang="ko-KR" altLang="en-US"/>
           </a:p>
@@ -4403,6 +4403,76 @@
           </a:p>
         </p:txBody>
       </p:sp>
+      <p:sp>
+        <p:nvSpPr>
+          <p:cNvPr id="11" name="TextBox 10">
+            <a:extLst>
+              <a:ext uri="{FF2B5EF4-FFF2-40B4-BE49-F238E27FC236}">
+                <a16:creationId xmlns:a16="http://schemas.microsoft.com/office/drawing/2014/main" id="{BB12547A-7EFB-4FED-BF44-CD8C5A7498F3}"/>
+              </a:ext>
+            </a:extLst>
+          </p:cNvPr>
+          <p:cNvSpPr txBox="1"/>
+          <p:nvPr/>
+        </p:nvSpPr>
+        <p:spPr>
+          <a:xfrm>
+            <a:off x="878249" y="6047695"/>
+            <a:ext cx="10435502" cy="369332"/>
+          </a:xfrm>
+          <a:prstGeom prst="rect">
+            <a:avLst/>
+          </a:prstGeom>
+          <a:noFill/>
+        </p:spPr>
+        <p:txBody>
+          <a:bodyPr wrap="square" rtlCol="0">
+            <a:spAutoFit/>
+          </a:bodyPr>
+          <a:lstStyle/>
+          <a:p>
+            <a:pPr marL="285750" indent="-285750">
+              <a:buFont typeface="Arial" panose="020B0604020202020204" pitchFamily="34" charset="0"/>
+              <a:buChar char="•"/>
+            </a:pPr>
+            <a:r>
+              <a:rPr lang="en-US" altLang="ko-KR" dirty="0">
+                <a:latin typeface="바탕" panose="02030600000101010101" pitchFamily="18" charset="-127"/>
+                <a:ea typeface="바탕" panose="02030600000101010101" pitchFamily="18" charset="-127"/>
+              </a:rPr>
+              <a:t>ROS</a:t>
+            </a:r>
+            <a:r>
+              <a:rPr lang="ko-KR" altLang="en-US" dirty="0">
+                <a:latin typeface="바탕" panose="02030600000101010101" pitchFamily="18" charset="-127"/>
+                <a:ea typeface="바탕" panose="02030600000101010101" pitchFamily="18" charset="-127"/>
+              </a:rPr>
+              <a:t>의 모든 노드는 </a:t>
+            </a:r>
+            <a:r>
+              <a:rPr lang="en-US" altLang="ko-KR" dirty="0" err="1">
+                <a:latin typeface="바탕" panose="02030600000101010101" pitchFamily="18" charset="-127"/>
+                <a:ea typeface="바탕" panose="02030600000101010101" pitchFamily="18" charset="-127"/>
+              </a:rPr>
+              <a:t>roscore</a:t>
+            </a:r>
+            <a:r>
+              <a:rPr lang="ko-KR" altLang="en-US" dirty="0">
+                <a:latin typeface="바탕" panose="02030600000101010101" pitchFamily="18" charset="-127"/>
+                <a:ea typeface="바탕" panose="02030600000101010101" pitchFamily="18" charset="-127"/>
+              </a:rPr>
+              <a:t>를 구동한 후에 이용할 수 있음</a:t>
+            </a:r>
+            <a:r>
+              <a:rPr lang="en-US" altLang="ko-KR" dirty="0">
+                <a:latin typeface="바탕" panose="02030600000101010101" pitchFamily="18" charset="-127"/>
+                <a:ea typeface="바탕" panose="02030600000101010101" pitchFamily="18" charset="-127"/>
+              </a:rPr>
+              <a:t>.</a:t>
+            </a:r>
+          </a:p>
+        </p:txBody>
+      </p:sp>
     </p:spTree>
     <p:extLst>
       <p:ext uri="{BB962C8B-B14F-4D97-AF65-F5344CB8AC3E}">
@@ -5818,7 +5888,7 @@
         </p:nvSpPr>
         <p:spPr>
           <a:xfrm>
-            <a:off x="750134" y="601331"/>
+            <a:off x="750134" y="282149"/>
             <a:ext cx="10921406" cy="1477328"/>
           </a:xfrm>
           <a:prstGeom prst="rect">
@@ -6008,7 +6078,7 @@
         </p:nvSpPr>
         <p:spPr>
           <a:xfrm>
-            <a:off x="750134" y="2359479"/>
+            <a:off x="750134" y="2040297"/>
             <a:ext cx="10921406" cy="4801314"/>
           </a:xfrm>
           <a:prstGeom prst="rect">
@@ -6685,7 +6755,7 @@
         </p:nvSpPr>
         <p:spPr>
           <a:xfrm>
-            <a:off x="635297" y="561249"/>
+            <a:off x="635297" y="1475649"/>
             <a:ext cx="10921406" cy="646331"/>
           </a:xfrm>
           <a:prstGeom prst="rect">
@@ -6752,7 +6822,7 @@
         </p:nvSpPr>
         <p:spPr>
           <a:xfrm>
-            <a:off x="635297" y="1466413"/>
+            <a:off x="635297" y="2380813"/>
             <a:ext cx="10921406" cy="646331"/>
           </a:xfrm>
           <a:prstGeom prst="rect">
@@ -6775,7 +6845,212 @@
                 <a:latin typeface="바탕" panose="02030600000101010101" pitchFamily="18" charset="-127"/>
                 <a:ea typeface="바탕" panose="02030600000101010101" pitchFamily="18" charset="-127"/>
               </a:rPr>
-              <a:t>폴더 내용 확인</a:t>
+              <a:t>파일 목록 확인</a:t>
+            </a:r>
+            <a:r>
+              <a:rPr lang="en-US" altLang="ko-KR" dirty="0">
+                <a:latin typeface="바탕" panose="02030600000101010101" pitchFamily="18" charset="-127"/>
+                <a:ea typeface="바탕" panose="02030600000101010101" pitchFamily="18" charset="-127"/>
+              </a:rPr>
+              <a:t>(lists files)</a:t>
+            </a:r>
+          </a:p>
+          <a:p>
+            <a:pPr lvl="1"/>
+            <a:r>
+              <a:rPr lang="en-US" altLang="ko-KR" dirty="0">
+                <a:latin typeface="바탕" panose="02030600000101010101" pitchFamily="18" charset="-127"/>
+                <a:ea typeface="바탕" panose="02030600000101010101" pitchFamily="18" charset="-127"/>
+              </a:rPr>
+              <a:t>$ ls</a:t>
+            </a:r>
+          </a:p>
+        </p:txBody>
+      </p:sp>
+      <p:sp>
+        <p:nvSpPr>
+          <p:cNvPr id="4" name="TextBox 3">
+            <a:extLst>
+              <a:ext uri="{FF2B5EF4-FFF2-40B4-BE49-F238E27FC236}">
+                <a16:creationId xmlns:a16="http://schemas.microsoft.com/office/drawing/2014/main" id="{E2241A6D-9C56-452E-9F2B-BB747F8461BF}"/>
+              </a:ext>
+            </a:extLst>
+          </p:cNvPr>
+          <p:cNvSpPr txBox="1"/>
+          <p:nvPr/>
+        </p:nvSpPr>
+        <p:spPr>
+          <a:xfrm>
+            <a:off x="635297" y="603162"/>
+            <a:ext cx="10921406" cy="646331"/>
+          </a:xfrm>
+          <a:prstGeom prst="rect">
+            <a:avLst/>
+          </a:prstGeom>
+          <a:noFill/>
+        </p:spPr>
+        <p:txBody>
+          <a:bodyPr wrap="square" rtlCol="0">
+            <a:spAutoFit/>
+          </a:bodyPr>
+          <a:lstStyle/>
+          <a:p>
+            <a:pPr marL="285750" indent="-285750">
+              <a:buFont typeface="Arial" panose="020B0604020202020204" pitchFamily="34" charset="0"/>
+              <a:buChar char="•"/>
+            </a:pPr>
+            <a:r>
+              <a:rPr lang="en-US" altLang="ko-KR" dirty="0">
+                <a:latin typeface="바탕" panose="02030600000101010101" pitchFamily="18" charset="-127"/>
+                <a:ea typeface="바탕" panose="02030600000101010101" pitchFamily="18" charset="-127"/>
+              </a:rPr>
+              <a:t>ROS </a:t>
+            </a:r>
+            <a:r>
+              <a:rPr lang="ko-KR" altLang="en-US" dirty="0">
+                <a:latin typeface="바탕" panose="02030600000101010101" pitchFamily="18" charset="-127"/>
+                <a:ea typeface="바탕" panose="02030600000101010101" pitchFamily="18" charset="-127"/>
+              </a:rPr>
+              <a:t>패키지의 프로파일 갱신</a:t>
+            </a:r>
+            <a:r>
+              <a:rPr lang="en-US" altLang="ko-KR" dirty="0">
+                <a:latin typeface="바탕" panose="02030600000101010101" pitchFamily="18" charset="-127"/>
+                <a:ea typeface="바탕" panose="02030600000101010101" pitchFamily="18" charset="-127"/>
+              </a:rPr>
+              <a:t>(</a:t>
+            </a:r>
+            <a:r>
+              <a:rPr lang="ko-KR" altLang="en-US" dirty="0">
+                <a:latin typeface="바탕" panose="02030600000101010101" pitchFamily="18" charset="-127"/>
+                <a:ea typeface="바탕" panose="02030600000101010101" pitchFamily="18" charset="-127"/>
+              </a:rPr>
+              <a:t>생성한 패키지를 </a:t>
+            </a:r>
+            <a:r>
+              <a:rPr lang="en-US" altLang="ko-KR" dirty="0">
+                <a:latin typeface="바탕" panose="02030600000101010101" pitchFamily="18" charset="-127"/>
+                <a:ea typeface="바탕" panose="02030600000101010101" pitchFamily="18" charset="-127"/>
+              </a:rPr>
+              <a:t>ROS </a:t>
+            </a:r>
+            <a:r>
+              <a:rPr lang="ko-KR" altLang="en-US" dirty="0">
+                <a:latin typeface="바탕" panose="02030600000101010101" pitchFamily="18" charset="-127"/>
+                <a:ea typeface="바탕" panose="02030600000101010101" pitchFamily="18" charset="-127"/>
+              </a:rPr>
+              <a:t>패키지 목록에 반영</a:t>
+            </a:r>
+            <a:r>
+              <a:rPr lang="en-US" altLang="ko-KR" dirty="0">
+                <a:latin typeface="바탕" panose="02030600000101010101" pitchFamily="18" charset="-127"/>
+                <a:ea typeface="바탕" panose="02030600000101010101" pitchFamily="18" charset="-127"/>
+              </a:rPr>
+              <a:t>. </a:t>
+            </a:r>
+            <a:r>
+              <a:rPr lang="ko-KR" altLang="en-US" dirty="0">
+                <a:latin typeface="바탕" panose="02030600000101010101" pitchFamily="18" charset="-127"/>
+                <a:ea typeface="바탕" panose="02030600000101010101" pitchFamily="18" charset="-127"/>
+              </a:rPr>
+              <a:t>필수 </a:t>
+            </a:r>
+            <a:r>
+              <a:rPr lang="en-US" altLang="ko-KR" dirty="0">
+                <a:latin typeface="바탕" panose="02030600000101010101" pitchFamily="18" charset="-127"/>
+                <a:ea typeface="바탕" panose="02030600000101010101" pitchFamily="18" charset="-127"/>
+              </a:rPr>
+              <a:t>X.)</a:t>
+            </a:r>
+          </a:p>
+          <a:p>
+            <a:pPr lvl="1"/>
+            <a:r>
+              <a:rPr lang="en-US" altLang="ko-KR" dirty="0">
+                <a:latin typeface="바탕" panose="02030600000101010101" pitchFamily="18" charset="-127"/>
+                <a:ea typeface="바탕" panose="02030600000101010101" pitchFamily="18" charset="-127"/>
+              </a:rPr>
+              <a:t>$ </a:t>
+            </a:r>
+            <a:r>
+              <a:rPr lang="en-US" altLang="ko-KR" dirty="0" err="1">
+                <a:latin typeface="바탕" panose="02030600000101010101" pitchFamily="18" charset="-127"/>
+                <a:ea typeface="바탕" panose="02030600000101010101" pitchFamily="18" charset="-127"/>
+              </a:rPr>
+              <a:t>rospack</a:t>
+            </a:r>
+            <a:r>
+              <a:rPr lang="en-US" altLang="ko-KR" dirty="0">
+                <a:latin typeface="바탕" panose="02030600000101010101" pitchFamily="18" charset="-127"/>
+                <a:ea typeface="바탕" panose="02030600000101010101" pitchFamily="18" charset="-127"/>
+              </a:rPr>
+              <a:t> profile</a:t>
+            </a:r>
+          </a:p>
+        </p:txBody>
+      </p:sp>
+      <p:sp>
+        <p:nvSpPr>
+          <p:cNvPr id="5" name="TextBox 4">
+            <a:extLst>
+              <a:ext uri="{FF2B5EF4-FFF2-40B4-BE49-F238E27FC236}">
+                <a16:creationId xmlns:a16="http://schemas.microsoft.com/office/drawing/2014/main" id="{CE75F62F-A96C-4700-9DC4-EDCB00CF9924}"/>
+              </a:ext>
+            </a:extLst>
+          </p:cNvPr>
+          <p:cNvSpPr txBox="1"/>
+          <p:nvPr/>
+        </p:nvSpPr>
+        <p:spPr>
+          <a:xfrm>
+            <a:off x="635297" y="3285977"/>
+            <a:ext cx="10921406" cy="1477328"/>
+          </a:xfrm>
+          <a:prstGeom prst="rect">
+            <a:avLst/>
+          </a:prstGeom>
+          <a:noFill/>
+        </p:spPr>
+        <p:txBody>
+          <a:bodyPr wrap="square" rtlCol="0">
+            <a:spAutoFit/>
+          </a:bodyPr>
+          <a:lstStyle/>
+          <a:p>
+            <a:pPr marL="285750" indent="-285750">
+              <a:buFont typeface="Arial" panose="020B0604020202020204" pitchFamily="34" charset="0"/>
+              <a:buChar char="•"/>
+            </a:pPr>
+            <a:r>
+              <a:rPr lang="ko-KR" altLang="en-US" dirty="0">
+                <a:latin typeface="바탕" panose="02030600000101010101" pitchFamily="18" charset="-127"/>
+                <a:ea typeface="바탕" panose="02030600000101010101" pitchFamily="18" charset="-127"/>
+              </a:rPr>
+              <a:t>지정한 디렉터리로 이동</a:t>
+            </a:r>
+            <a:r>
+              <a:rPr lang="en-US" altLang="ko-KR" dirty="0">
+                <a:latin typeface="바탕" panose="02030600000101010101" pitchFamily="18" charset="-127"/>
+                <a:ea typeface="바탕" panose="02030600000101010101" pitchFamily="18" charset="-127"/>
+              </a:rPr>
+              <a:t>(changes directory)</a:t>
+            </a:r>
+          </a:p>
+          <a:p>
+            <a:pPr lvl="1"/>
+            <a:r>
+              <a:rPr lang="en-US" altLang="ko-KR" dirty="0">
+                <a:latin typeface="바탕" panose="02030600000101010101" pitchFamily="18" charset="-127"/>
+                <a:ea typeface="바탕" panose="02030600000101010101" pitchFamily="18" charset="-127"/>
+              </a:rPr>
+              <a:t>$ cd </a:t>
+            </a:r>
+            <a:r>
+              <a:rPr lang="ko-KR" altLang="en-US" dirty="0">
+                <a:latin typeface="바탕" panose="02030600000101010101" pitchFamily="18" charset="-127"/>
+                <a:ea typeface="바탕" panose="02030600000101010101" pitchFamily="18" charset="-127"/>
+              </a:rPr>
+              <a:t>이동 할 위치</a:t>
             </a:r>
             <a:endParaRPr lang="en-US" altLang="ko-KR" dirty="0">
               <a:latin typeface="바탕" panose="02030600000101010101" pitchFamily="18" charset="-127"/>
@@ -6784,13 +7059,59 @@
           </a:p>
           <a:p>
             <a:pPr lvl="1"/>
-            <a:r>
-              <a:rPr lang="en-US" altLang="ko-KR" dirty="0">
-                <a:latin typeface="바탕" panose="02030600000101010101" pitchFamily="18" charset="-127"/>
-                <a:ea typeface="바탕" panose="02030600000101010101" pitchFamily="18" charset="-127"/>
-              </a:rPr>
-              <a:t>$ ls</a:t>
-            </a:r>
+            <a:endParaRPr lang="en-US" altLang="ko-KR" dirty="0">
+              <a:latin typeface="바탕" panose="02030600000101010101" pitchFamily="18" charset="-127"/>
+              <a:ea typeface="바탕" panose="02030600000101010101" pitchFamily="18" charset="-127"/>
+            </a:endParaRPr>
+          </a:p>
+          <a:p>
+            <a:pPr lvl="1"/>
+            <a:r>
+              <a:rPr lang="en-US" altLang="ko-KR" dirty="0">
+                <a:latin typeface="바탕" panose="02030600000101010101" pitchFamily="18" charset="-127"/>
+                <a:ea typeface="바탕" panose="02030600000101010101" pitchFamily="18" charset="-127"/>
+              </a:rPr>
+              <a:t>Ex) ~/</a:t>
+            </a:r>
+            <a:r>
+              <a:rPr lang="en-US" altLang="ko-KR" dirty="0" err="1">
+                <a:latin typeface="바탕" panose="02030600000101010101" pitchFamily="18" charset="-127"/>
+                <a:ea typeface="바탕" panose="02030600000101010101" pitchFamily="18" charset="-127"/>
+              </a:rPr>
+              <a:t>catkin_ws</a:t>
+            </a:r>
+            <a:r>
+              <a:rPr lang="ko-KR" altLang="en-US" dirty="0">
+                <a:latin typeface="바탕" panose="02030600000101010101" pitchFamily="18" charset="-127"/>
+                <a:ea typeface="바탕" panose="02030600000101010101" pitchFamily="18" charset="-127"/>
+              </a:rPr>
+              <a:t>로 이동 할 경우</a:t>
+            </a:r>
+            <a:endParaRPr lang="en-US" altLang="ko-KR" dirty="0">
+              <a:latin typeface="바탕" panose="02030600000101010101" pitchFamily="18" charset="-127"/>
+              <a:ea typeface="바탕" panose="02030600000101010101" pitchFamily="18" charset="-127"/>
+            </a:endParaRPr>
+          </a:p>
+          <a:p>
+            <a:pPr lvl="1"/>
+            <a:r>
+              <a:rPr lang="en-US" altLang="ko-KR" dirty="0">
+                <a:latin typeface="바탕" panose="02030600000101010101" pitchFamily="18" charset="-127"/>
+                <a:ea typeface="바탕" panose="02030600000101010101" pitchFamily="18" charset="-127"/>
+              </a:rPr>
+              <a:t>$ cd ~/</a:t>
+            </a:r>
+            <a:r>
+              <a:rPr lang="en-US" altLang="ko-KR" dirty="0" err="1">
+                <a:latin typeface="바탕" panose="02030600000101010101" pitchFamily="18" charset="-127"/>
+                <a:ea typeface="바탕" panose="02030600000101010101" pitchFamily="18" charset="-127"/>
+              </a:rPr>
+              <a:t>catkin_ws</a:t>
+            </a:r>
+            <a:endParaRPr lang="en-US" altLang="ko-KR" dirty="0">
+              <a:latin typeface="바탕" panose="02030600000101010101" pitchFamily="18" charset="-127"/>
+              <a:ea typeface="바탕" panose="02030600000101010101" pitchFamily="18" charset="-127"/>
+            </a:endParaRPr>
           </a:p>
         </p:txBody>
       </p:sp>
